--- a/PLPTH813Bioinformatis/2021/labs/lab06_variants.pptx
+++ b/PLPTH813Bioinformatis/2021/labs/lab06_variants.pptx
@@ -221,7 +221,7 @@
           <a:p>
             <a:fld id="{08E6E0A8-E17C-C949-B17E-7A1A6494483A}" type="datetimeFigureOut">
               <a:rPr lang="en-US" smtClean="0"/>
-              <a:t>3/21/21</a:t>
+              <a:t>3/22/21</a:t>
             </a:fld>
             <a:endParaRPr lang="en-US"/>
           </a:p>
@@ -985,6 +985,90 @@
           <a:bodyPr/>
           <a:lstStyle/>
           <a:p>
+            <a:endParaRPr lang="en-US"/>
+          </a:p>
+        </p:txBody>
+      </p:sp>
+      <p:sp>
+        <p:nvSpPr>
+          <p:cNvPr id="4" name="Slide Number Placeholder 3"/>
+          <p:cNvSpPr>
+            <a:spLocks noGrp="1"/>
+          </p:cNvSpPr>
+          <p:nvPr>
+            <p:ph type="sldNum" sz="quarter" idx="5"/>
+          </p:nvPr>
+        </p:nvSpPr>
+        <p:spPr/>
+        <p:txBody>
+          <a:bodyPr/>
+          <a:lstStyle/>
+          <a:p>
+            <a:fld id="{DC2B8C24-ACAE-AE41-B565-178ED93271F0}" type="slidenum">
+              <a:rPr lang="en-US" smtClean="0"/>
+              <a:t>12</a:t>
+            </a:fld>
+            <a:endParaRPr lang="en-US"/>
+          </a:p>
+        </p:txBody>
+      </p:sp>
+    </p:spTree>
+    <p:extLst>
+      <p:ext uri="{BB962C8B-B14F-4D97-AF65-F5344CB8AC3E}">
+        <p14:creationId xmlns:p14="http://schemas.microsoft.com/office/powerpoint/2010/main" val="3969604172"/>
+      </p:ext>
+    </p:extLst>
+  </p:cSld>
+  <p:clrMapOvr>
+    <a:masterClrMapping/>
+  </p:clrMapOvr>
+</p:notes>
+</file>
+
+<file path=ppt/notesSlides/notesSlide5.xml><?xml version="1.0" encoding="utf-8"?>
+<p:notes xmlns:a="http://schemas.openxmlformats.org/drawingml/2006/main" xmlns:r="http://schemas.openxmlformats.org/officeDocument/2006/relationships" xmlns:p="http://schemas.openxmlformats.org/presentationml/2006/main">
+  <p:cSld>
+    <p:spTree>
+      <p:nvGrpSpPr>
+        <p:cNvPr id="1" name=""/>
+        <p:cNvGrpSpPr/>
+        <p:nvPr/>
+      </p:nvGrpSpPr>
+      <p:grpSpPr>
+        <a:xfrm>
+          <a:off x="0" y="0"/>
+          <a:ext cx="0" cy="0"/>
+          <a:chOff x="0" y="0"/>
+          <a:chExt cx="0" cy="0"/>
+        </a:xfrm>
+      </p:grpSpPr>
+      <p:sp>
+        <p:nvSpPr>
+          <p:cNvPr id="2" name="Slide Image Placeholder 1"/>
+          <p:cNvSpPr>
+            <a:spLocks noGrp="1" noRot="1" noChangeAspect="1"/>
+          </p:cNvSpPr>
+          <p:nvPr>
+            <p:ph type="sldImg"/>
+          </p:nvPr>
+        </p:nvSpPr>
+        <p:spPr/>
+      </p:sp>
+      <p:sp>
+        <p:nvSpPr>
+          <p:cNvPr id="3" name="Notes Placeholder 2"/>
+          <p:cNvSpPr>
+            <a:spLocks noGrp="1"/>
+          </p:cNvSpPr>
+          <p:nvPr>
+            <p:ph type="body" idx="1"/>
+          </p:nvPr>
+        </p:nvSpPr>
+        <p:spPr/>
+        <p:txBody>
+          <a:bodyPr/>
+          <a:lstStyle/>
+          <a:p>
             <a:endParaRPr lang="en-US" dirty="0"/>
           </a:p>
         </p:txBody>
@@ -1204,7 +1288,7 @@
           <a:p>
             <a:fld id="{42B8B0BE-C8D7-EB48-AD68-71DB5002F24B}" type="datetimeFigureOut">
               <a:rPr lang="en-US" smtClean="0"/>
-              <a:t>3/21/21</a:t>
+              <a:t>3/22/21</a:t>
             </a:fld>
             <a:endParaRPr lang="en-US"/>
           </a:p>
@@ -1372,7 +1456,7 @@
           <a:p>
             <a:fld id="{42B8B0BE-C8D7-EB48-AD68-71DB5002F24B}" type="datetimeFigureOut">
               <a:rPr lang="en-US" smtClean="0"/>
-              <a:t>3/21/21</a:t>
+              <a:t>3/22/21</a:t>
             </a:fld>
             <a:endParaRPr lang="en-US"/>
           </a:p>
@@ -1550,7 +1634,7 @@
           <a:p>
             <a:fld id="{42B8B0BE-C8D7-EB48-AD68-71DB5002F24B}" type="datetimeFigureOut">
               <a:rPr lang="en-US" smtClean="0"/>
-              <a:t>3/21/21</a:t>
+              <a:t>3/22/21</a:t>
             </a:fld>
             <a:endParaRPr lang="en-US"/>
           </a:p>
@@ -1718,7 +1802,7 @@
           <a:p>
             <a:fld id="{42B8B0BE-C8D7-EB48-AD68-71DB5002F24B}" type="datetimeFigureOut">
               <a:rPr lang="en-US" smtClean="0"/>
-              <a:t>3/21/21</a:t>
+              <a:t>3/22/21</a:t>
             </a:fld>
             <a:endParaRPr lang="en-US"/>
           </a:p>
@@ -1963,7 +2047,7 @@
           <a:p>
             <a:fld id="{42B8B0BE-C8D7-EB48-AD68-71DB5002F24B}" type="datetimeFigureOut">
               <a:rPr lang="en-US" smtClean="0"/>
-              <a:t>3/21/21</a:t>
+              <a:t>3/22/21</a:t>
             </a:fld>
             <a:endParaRPr lang="en-US"/>
           </a:p>
@@ -2248,7 +2332,7 @@
           <a:p>
             <a:fld id="{42B8B0BE-C8D7-EB48-AD68-71DB5002F24B}" type="datetimeFigureOut">
               <a:rPr lang="en-US" smtClean="0"/>
-              <a:t>3/21/21</a:t>
+              <a:t>3/22/21</a:t>
             </a:fld>
             <a:endParaRPr lang="en-US"/>
           </a:p>
@@ -2667,7 +2751,7 @@
           <a:p>
             <a:fld id="{42B8B0BE-C8D7-EB48-AD68-71DB5002F24B}" type="datetimeFigureOut">
               <a:rPr lang="en-US" smtClean="0"/>
-              <a:t>3/21/21</a:t>
+              <a:t>3/22/21</a:t>
             </a:fld>
             <a:endParaRPr lang="en-US"/>
           </a:p>
@@ -2784,7 +2868,7 @@
           <a:p>
             <a:fld id="{42B8B0BE-C8D7-EB48-AD68-71DB5002F24B}" type="datetimeFigureOut">
               <a:rPr lang="en-US" smtClean="0"/>
-              <a:t>3/21/21</a:t>
+              <a:t>3/22/21</a:t>
             </a:fld>
             <a:endParaRPr lang="en-US"/>
           </a:p>
@@ -2879,7 +2963,7 @@
           <a:p>
             <a:fld id="{42B8B0BE-C8D7-EB48-AD68-71DB5002F24B}" type="datetimeFigureOut">
               <a:rPr lang="en-US" smtClean="0"/>
-              <a:t>3/21/21</a:t>
+              <a:t>3/22/21</a:t>
             </a:fld>
             <a:endParaRPr lang="en-US"/>
           </a:p>
@@ -3154,7 +3238,7 @@
           <a:p>
             <a:fld id="{42B8B0BE-C8D7-EB48-AD68-71DB5002F24B}" type="datetimeFigureOut">
               <a:rPr lang="en-US" smtClean="0"/>
-              <a:t>3/21/21</a:t>
+              <a:t>3/22/21</a:t>
             </a:fld>
             <a:endParaRPr lang="en-US"/>
           </a:p>
@@ -3406,7 +3490,7 @@
           <a:p>
             <a:fld id="{42B8B0BE-C8D7-EB48-AD68-71DB5002F24B}" type="datetimeFigureOut">
               <a:rPr lang="en-US" smtClean="0"/>
-              <a:t>3/21/21</a:t>
+              <a:t>3/22/21</a:t>
             </a:fld>
             <a:endParaRPr lang="en-US"/>
           </a:p>
@@ -3617,7 +3701,7 @@
           <a:p>
             <a:fld id="{42B8B0BE-C8D7-EB48-AD68-71DB5002F24B}" type="datetimeFigureOut">
               <a:rPr lang="en-US" smtClean="0"/>
-              <a:t>3/21/21</a:t>
+              <a:t>3/22/21</a:t>
             </a:fld>
             <a:endParaRPr lang="en-US"/>
           </a:p>

--- a/PLPTH813Bioinformatis/2021/labs/lab06_variants.pptx
+++ b/PLPTH813Bioinformatis/2021/labs/lab06_variants.pptx
@@ -985,7 +985,7 @@
           <a:bodyPr/>
           <a:lstStyle/>
           <a:p>
-            <a:endParaRPr lang="en-US"/>
+            <a:endParaRPr lang="en-US" dirty="0"/>
           </a:p>
         </p:txBody>
       </p:sp>
@@ -5039,7 +5039,7 @@
                 <a:latin typeface="Courier"/>
                 <a:cs typeface="Courier"/>
               </a:rPr>
-              <a:t>  -F CHROM -F POS -F REF -F ALT -F AC -F AF \</a:t>
+              <a:t>  -F CHROM -F POS -F REF -F ALT \</a:t>
             </a:r>
           </a:p>
           <a:p>
@@ -5218,7 +5218,12 @@
             <p:ph type="title"/>
           </p:nvPr>
         </p:nvSpPr>
-        <p:spPr/>
+        <p:spPr>
+          <a:xfrm>
+            <a:off x="457200" y="274638"/>
+            <a:ext cx="8229600" cy="953271"/>
+          </a:xfrm>
+        </p:spPr>
         <p:txBody>
           <a:bodyPr>
             <a:normAutofit/>
@@ -5253,7 +5258,7 @@
           <a:lstStyle/>
           <a:p>
             <a:r>
-              <a:rPr lang="en-US" dirty="0"/>
+              <a:rPr lang="en-US" sz="2800" dirty="0"/>
               <a:t>Download the software:</a:t>
             </a:r>
           </a:p>
@@ -5305,7 +5310,7 @@
         <p:spPr>
           <a:xfrm>
             <a:off x="557465" y="2999722"/>
-            <a:ext cx="8229600" cy="2146228"/>
+            <a:ext cx="8229600" cy="2126095"/>
           </a:xfrm>
           <a:prstGeom prst="rect">
             <a:avLst/>
@@ -5425,7 +5430,12 @@
             <p:ph type="title"/>
           </p:nvPr>
         </p:nvSpPr>
-        <p:spPr/>
+        <p:spPr>
+          <a:xfrm>
+            <a:off x="457200" y="279829"/>
+            <a:ext cx="8229600" cy="772987"/>
+          </a:xfrm>
+        </p:spPr>
         <p:txBody>
           <a:bodyPr>
             <a:normAutofit/>
@@ -5477,7 +5487,7 @@
         </p:nvSpPr>
         <p:spPr>
           <a:xfrm>
-            <a:off x="725731" y="1192320"/>
+            <a:off x="313508" y="1216157"/>
             <a:ext cx="5902728" cy="369332"/>
           </a:xfrm>
           <a:prstGeom prst="rect">
@@ -5502,6 +5512,41 @@
             <a:r>
               <a:rPr lang="en-US" dirty="0"/>
               <a:t> (separated by a blank space)</a:t>
+            </a:r>
+          </a:p>
+        </p:txBody>
+      </p:sp>
+      <p:sp>
+        <p:nvSpPr>
+          <p:cNvPr id="5" name="TextBox 4">
+            <a:extLst>
+              <a:ext uri="{FF2B5EF4-FFF2-40B4-BE49-F238E27FC236}">
+                <a16:creationId xmlns:a16="http://schemas.microsoft.com/office/drawing/2014/main" id="{2123ACF8-56D6-5E4E-9BF6-CD4941A01AE0}"/>
+              </a:ext>
+            </a:extLst>
+          </p:cNvPr>
+          <p:cNvSpPr txBox="1"/>
+          <p:nvPr/>
+        </p:nvSpPr>
+        <p:spPr>
+          <a:xfrm>
+            <a:off x="313508" y="756246"/>
+            <a:ext cx="1798890" cy="369332"/>
+          </a:xfrm>
+          <a:prstGeom prst="rect">
+            <a:avLst/>
+          </a:prstGeom>
+          <a:noFill/>
+        </p:spPr>
+        <p:txBody>
+          <a:bodyPr wrap="none" rtlCol="0">
+            <a:spAutoFit/>
+          </a:bodyPr>
+          <a:lstStyle/>
+          <a:p>
+            <a:r>
+              <a:rPr lang="en-US" dirty="0"/>
+              <a:t>U00096:1357202</a:t>
             </a:r>
           </a:p>
         </p:txBody>
@@ -5702,8 +5747,8 @@
         </p:nvSpPr>
         <p:spPr>
           <a:xfrm>
-            <a:off x="886574" y="1450797"/>
-            <a:ext cx="7213204" cy="3931099"/>
+            <a:off x="965398" y="1254854"/>
+            <a:ext cx="7213204" cy="5132565"/>
           </a:xfrm>
         </p:spPr>
         <p:txBody>
@@ -5867,6 +5912,58 @@
               </a:rPr>
               <a:t> data</a:t>
             </a:r>
+          </a:p>
+          <a:p>
+            <a:pPr marL="0" indent="0">
+              <a:lnSpc>
+                <a:spcPct val="120000"/>
+              </a:lnSpc>
+              <a:buNone/>
+            </a:pPr>
+            <a:r>
+              <a:rPr lang="en-US" sz="2800" dirty="0">
+                <a:solidFill>
+                  <a:srgbClr val="FF0000"/>
+                </a:solidFill>
+                <a:latin typeface="Courier"/>
+                <a:cs typeface="Courier"/>
+              </a:rPr>
+              <a:t>or</a:t>
+            </a:r>
+          </a:p>
+          <a:p>
+            <a:pPr marL="0" indent="0">
+              <a:lnSpc>
+                <a:spcPct val="120000"/>
+              </a:lnSpc>
+              <a:buNone/>
+            </a:pPr>
+            <a:r>
+              <a:rPr lang="en-US" sz="2800" dirty="0" err="1">
+                <a:latin typeface="Courier"/>
+                <a:cs typeface="Courier"/>
+              </a:rPr>
+              <a:t>mkdir</a:t>
+            </a:r>
+            <a:r>
+              <a:rPr lang="en-US" sz="2800" dirty="0">
+                <a:latin typeface="Courier"/>
+                <a:cs typeface="Courier"/>
+              </a:rPr>
+              <a:t> GATK reference data</a:t>
+            </a:r>
+          </a:p>
+          <a:p>
+            <a:pPr marL="0" indent="0">
+              <a:lnSpc>
+                <a:spcPct val="120000"/>
+              </a:lnSpc>
+              <a:buNone/>
+            </a:pPr>
+            <a:endParaRPr lang="en-US" sz="2800" dirty="0">
+              <a:latin typeface="Courier"/>
+              <a:cs typeface="Courier"/>
+            </a:endParaRPr>
           </a:p>
           <a:p>
             <a:pPr marL="0" indent="0">
@@ -7387,6 +7484,15 @@
               </a:rPr>
               <a:t>SAMtools</a:t>
             </a:r>
+            <a:endParaRPr lang="en-US" sz="2800" dirty="0">
+              <a:latin typeface="Courier"/>
+              <a:cs typeface="Courier"/>
+            </a:endParaRPr>
+          </a:p>
+          <a:p>
+            <a:pPr marL="0" indent="0">
+              <a:buNone/>
+            </a:pPr>
             <a:endParaRPr lang="en-US" sz="2800" dirty="0">
               <a:latin typeface="Courier"/>
               <a:cs typeface="Courier"/>

--- a/PLPTH813Bioinformatis/2021/labs/lab06_variants.pptx
+++ b/PLPTH813Bioinformatis/2021/labs/lab06_variants.pptx
@@ -5632,8 +5632,8 @@
               <a:t>Discover variants of two </a:t>
             </a:r>
             <a:r>
-              <a:rPr lang="en-US" sz="2800" dirty="0" err="1"/>
-              <a:t>E.coli</a:t>
+              <a:rPr lang="en-US" sz="2800" i="1" dirty="0"/>
+              <a:t>E. coli</a:t>
             </a:r>
             <a:r>
               <a:rPr lang="en-US" sz="2800" dirty="0"/>
@@ -5650,15 +5650,7 @@
           <a:p>
             <a:r>
               <a:rPr lang="en-US" sz="2800" dirty="0"/>
-              <a:t>Reference genome: </a:t>
-            </a:r>
-            <a:r>
-              <a:rPr lang="en-US" sz="2800" dirty="0" err="1"/>
-              <a:t>E.coli</a:t>
-            </a:r>
-            <a:r>
-              <a:rPr lang="en-US" sz="2800" dirty="0"/>
-              <a:t> K-12 </a:t>
+              <a:t>Reference genome: K-12 </a:t>
             </a:r>
             <a:r>
               <a:rPr lang="fr-FR" sz="2800" dirty="0"/>

--- a/PLPTH813Bioinformatis/2021/labs/lab06_variants.pptx
+++ b/PLPTH813Bioinformatis/2021/labs/lab06_variants.pptx
@@ -5,23 +5,25 @@
     <p:sldMasterId id="2147483648" r:id="rId1"/>
   </p:sldMasterIdLst>
   <p:notesMasterIdLst>
-    <p:notesMasterId r:id="rId16"/>
+    <p:notesMasterId r:id="rId18"/>
   </p:notesMasterIdLst>
   <p:sldIdLst>
     <p:sldId id="256" r:id="rId2"/>
     <p:sldId id="310" r:id="rId3"/>
-    <p:sldId id="271" r:id="rId4"/>
-    <p:sldId id="308" r:id="rId5"/>
-    <p:sldId id="291" r:id="rId6"/>
-    <p:sldId id="292" r:id="rId7"/>
-    <p:sldId id="301" r:id="rId8"/>
-    <p:sldId id="314" r:id="rId9"/>
-    <p:sldId id="313" r:id="rId10"/>
-    <p:sldId id="302" r:id="rId11"/>
-    <p:sldId id="304" r:id="rId12"/>
-    <p:sldId id="311" r:id="rId13"/>
-    <p:sldId id="312" r:id="rId14"/>
-    <p:sldId id="305" r:id="rId15"/>
+    <p:sldId id="316" r:id="rId4"/>
+    <p:sldId id="271" r:id="rId5"/>
+    <p:sldId id="308" r:id="rId6"/>
+    <p:sldId id="291" r:id="rId7"/>
+    <p:sldId id="292" r:id="rId8"/>
+    <p:sldId id="301" r:id="rId9"/>
+    <p:sldId id="314" r:id="rId10"/>
+    <p:sldId id="313" r:id="rId11"/>
+    <p:sldId id="302" r:id="rId12"/>
+    <p:sldId id="304" r:id="rId13"/>
+    <p:sldId id="311" r:id="rId14"/>
+    <p:sldId id="312" r:id="rId15"/>
+    <p:sldId id="305" r:id="rId16"/>
+    <p:sldId id="315" r:id="rId17"/>
   </p:sldIdLst>
   <p:sldSz cx="9144000" cy="6858000" type="screen4x3"/>
   <p:notesSz cx="6858000" cy="9144000"/>
@@ -137,6 +139,43 @@
     </p:ext>
   </p:extLst>
 </p:presentation>
+</file>
+
+<file path=ppt/ink/ink1.xml><?xml version="1.0" encoding="utf-8"?>
+<inkml:ink xmlns:inkml="http://www.w3.org/2003/InkML">
+  <inkml:definitions>
+    <inkml:context xml:id="ctx0">
+      <inkml:inkSource xml:id="inkSrc0">
+        <inkml:traceFormat>
+          <inkml:channel name="X" type="integer" min="-2.14748E9" max="2.14748E9" units="cm"/>
+          <inkml:channel name="Y" type="integer" min="-2.14748E9" max="2.14748E9" units="cm"/>
+          <inkml:channel name="F" type="integer" max="32767" units="dev"/>
+        </inkml:traceFormat>
+        <inkml:channelProperties>
+          <inkml:channelProperty channel="X" name="resolution" value="1000" units="1/cm"/>
+          <inkml:channelProperty channel="Y" name="resolution" value="1000" units="1/cm"/>
+          <inkml:channelProperty channel="F" name="resolution" value="0" units="1/dev"/>
+        </inkml:channelProperties>
+      </inkml:inkSource>
+      <inkml:timestamp xml:id="ts0" timeString="2021-03-23T15:41:52.429"/>
+    </inkml:context>
+    <inkml:brush xml:id="br0">
+      <inkml:brushProperty name="width" value="0.05292" units="cm"/>
+      <inkml:brushProperty name="height" value="0.05292" units="cm"/>
+      <inkml:brushProperty name="color" value="#FF0000"/>
+    </inkml:brush>
+  </inkml:definitions>
+  <inkml:trace contextRef="#ctx0" brushRef="#br0">18555 11153 24575,'17'8'0,"7"-2"0,9-2 0,-5-3 0,2 0 0,1-2 0,6-1 0,12-1 0,-18 1 0,-1 0 0,21-1 0,2 1 0,-11 2 0,-10-1 0,4-1 0,19-2 0,7 0 0,-10 0 0,2 1 0,-1 0-410,-5-1 1,-1 0 0,0 1 409,-4 0 0,-1 1 0,-5 0 0,-3 1 0,-3 0 0,21 0 0,-1 1 0,-9 0 0,7 0 0,-6 0 0,-4 0 0,1 0 0,13 1 614,-6 0 0,2 0-614,-14-1 0,1 1 0,10 0 0,0 0 0,-8-1 0,-1 0 0,0 0 0,-1 0 0,24 0 0,-16 0 0,6 1 0,-3-1 0,-7 0 0,0 0 0,10 1 0,6 0 0,-9-1 0,7 1 0,-12 1 0,7 0 0,-6 0 0,-9-1 0,-1 1 0,26 1 0,-4 0 0,-8 0 0,4 3 0,-14-1 0,6 3 0,-13-2 0,5 1 0,-1-2 0,3-1 0,-2-1 0,1 1 0,14 0 0,-11 0 0,1 0 0,13 0 0,0 0 0,0-1 0,-6-2 0,-12 0 0,-1-3 0,0 2 0,0-1 0,4 1 0,-2 0 0,-14 0 0,-2-1 0,-20-1 0,-11 1 0,-9 0 0,4 0 0,3 1 0,10 0 0</inkml:trace>
+  <inkml:trace contextRef="#ctx0" brushRef="#br0" timeOffset="2421">6204 11263 24575,'27'0'0,"19"1"0,-4 1 0,10 1 0,-1 0 0,-10-2 0,-1 1 0,4 0 0,6 0 0,5 0 0,1 0 0,-4-1 0,-2 0 0,-2 0 0,-1-1 0,-4 0 0,-1 0 0,3-1 0,4 1 0,4-1 0,0 0 0,-5 1 0,-6-1 0,-4 1 0,4 0-687,4 0 1,6 0 0,3 1-1,-4-1 1,-5 1 686,13 0 0,-3 1 0,-8 0 0,2-1 0,-4 0 400,2-2 0,-6 0-400,7-3 0,10-3 0,-27 1 0,1 1 0,20-1 2632,-18 2-2632,5-2 0,-29 4 0,17-6 0,-14 2 0,11-2 0,-18 4 0,-6 4 0</inkml:trace>
+  <inkml:trace contextRef="#ctx0" brushRef="#br0" timeOffset="4954">12963 12719 24575,'24'-2'0,"25"-2"0,-1 3 0,-15-1 0,-1 1 0,12 1 0,-6 0 0,8 0 0,-14 0 0,-1 0 0,1 0 0,13 0 0,2 0 0,5 0 0,3-1 0,0-1 0,-2 2 0,2 0 0,-6-1 0,2 0 0,-3 1 0,-3 0 0,-2 0 0,10 0 0,-2 0-229,-9 0 1,-2 0 228,-4 0 0,2 0 0,2-1 0,5 1 0,-2 0 0,7 0 0,0 0 0,-9 0 0,3 0 0,-2 1 0,9 2 0,-1 1 0,6 0 0,2 0 0,-14-1 0,2-1 0,-1 1 0,-1-1 0,0 1 0,-1-1 0,13 0 0,-4 0 0,-13 1 0,-2 0 0,3 1 0,-2-1 0,17 2 0,-19-4 0,0 0 0,24-1 457,-6-2-457,3-1 0,-10-2 0,-3 0 0,10 2 0,-28 1 0,3 2 0,-25 0 0,-4 1 0</inkml:trace>
+  <inkml:trace contextRef="#ctx0" brushRef="#br0" timeOffset="52113">9946 15696 24575,'40'-1'0,"1"-1"0,-4 1 0,8 0 0,4 0 0,6 0 0,4 1 0,4-1 0,2 1 0,-19 1 0,3-1 0,3 1 0,3 0 0,2 0 0,1 1 0,3-1 0,0 1 0,1-1 0,1 1 0,0-1 0,0 1 0,-1-1 0,-1 0 0,-1 1 0,-1-1 0,-3 0-703,6-1 1,-3 1 0,0-1 0,-1 1 0,-1-1 0,0 0-1,0 0 1,0 0 0,1 1 0,1-1 0,0 0 0,2 0 0,2 1-1,1-1 632,-9 1 0,1 0 0,3 0 0,1-1 0,1 1 0,2 0 0,0 0 0,1 1 0,0-1 0,0 0 0,0 0 0,0 0 0,-1 0 1,-1 0-1,-1 0 0,-1 0 0,-2 0 0,-2-1 0,-2 1 0,-2 0 0,-3-1-145,15 0 1,-4 1-1,-3-1 1,-2 0-1,-3-1 1,0 1 0,0 0-1,0 0 1,1 0-1,2-1 216,-1 1 0,1 0 0,1 0 0,0 0 0,0-1 0,0 1 0,0 0 0,-1 0 0,-1-1 0,0 1 0,-2 0-110,10 0 0,-2 0 0,-1 0 0,-1 0 1,0 0-1,-1 0 0,2 1 0,-1-1 110,-4 0 0,-1 0 0,1 1 0,-1-1 0,1 0 0,-1 1 0,1-1 0,0 0 0,0 0-226,0 0 1,1 0-1,0-1 1,-1 1 0,1 0-1,0-1 1,0 0 0,0 1-1,-1-1 226,-1 1 0,0-1 0,-1 0 0,1 0 0,-1 0 0,1 0 0,1 0 0,0 1 0,3-1 21,-4 0 1,2 0 0,0 1 0,2-1-1,0 0 1,0 1 0,1-1 0,0 1 0,0-1-1,0 1 1,-1 0-22,1 0 0,0 1 0,0-1 0,0 1 0,0 0 0,1 0 0,-1 0 0,1 0 0,1 0 0,0 0 0,0 0 0,-3 0 0,0 1 0,1-1 0,1 0 0,0 1 0,0-1 0,0 1 0,0 0 0,0-1 0,0 1 0,-1-1 0,-1 1 0,-1 0 0,4 0 0,1 0 0,-1 0 0,-1 0 0,0 0 0,0 0 0,-1 0 0,-1 1 0,-1-1 0,-1 0 0,-2 0 0,9 0 0,-2 0 0,-2 1 0,0-1 0,-2 1 0,0-1 0,-2 0 0,-2 0 0,7 0 0,-1 0 0,-2 0 0,-1-1 0,-4 1 0,-2 0 355,0 0 0,-4 1 0,-1-1 0,-1 0-355,10 1 0,-1 0 0,-2 0 950,-10-1 0,-1-1 1,3 0-951,14-2 0,2-2 0,-3 0 0,-2 0 0,1 0 0,-8 0 0,6 0 0,0-1 0,-6 1 0,10-2 0,-4-1 0,-9 3 0,0-1 0,-3 0 0,-3 0 0,0-1 0,17-1 0,-2 0 0,0-1 2131,-9 2 0,-1 0-2131,-1-1 5314,-16 4-5314,4 2 2298,-23 4-2298,-8 7 0,-6-4 0,-3 2 0,9-8 0,1-1 0</inkml:trace>
+  <inkml:trace contextRef="#ctx0" brushRef="#br0" timeOffset="61144">6249 16198 24575,'-39'-18'0,"7"10"0,-14-2 0,-9-1 0,-6-1 0,-3 1 0,0-1 0,4 2 0,8 0 0,-3 0 0,5 1 0,2 1 0,-3-1 0,-7-1-392,9 2 1,-5-1 0,-4-1 0,-2 0 0,-2-1 0,-1 1 0,1 0 0,2 1 0,2 0 0,3 2 391,-6 1 0,2 0 0,2 1 0,2 0 0,0 2 0,0-1 0,0 1 0,-3-1 0,1 1 0,0 1 0,1 0 0,-1 0 0,0 1 202,-2 1 0,0 1 0,0 0 0,0 0 0,0 2 1,-1 0-203,-1 0 0,-2 2 0,0 0 0,2 1 0,3-1 0,6 1 0,-9 3 0,6 1 0,-3-2-377,4-2 1,-6-1 0,0-1 0,3-1-1,8-1 377,-5-3 0,2-2 0,9 2 0,-3-1 0,-2 0 0,0 1 0,3 2 0,0 0 0,-1 1 0,2 0 0,-12 0 0,1 0 0,-2 2 0,10 0 0,-2 2 0,0 1 0,1 1 0,1 3 0,-1 1 0,2 2 0,3-2 0,-4 1 0,3 0 0,-2 4 0,-3 3 0,-3 4 0,2 2 0,6 3 469,6 6 0,6 3 0,0 2-469,3-4 0,-1 1 0,2 1 0,2 0 0,2 6 0,3 1 0,2 3 0,5-3 0,1 3 0,2 1 0,2-4 0,3-2 0,1-2 0,2 3-590,0 14 1,1 4 0,3-3 589,1-12 0,2-2 0,3 0 0,0-1 0,3-1 0,4 3 0,7 3 0,6 3 0,3 0 0,-1-3 0,-7-10 0,0-2 0,2-1 0,6 4 0,1-2 0,5 3 0,3 2 0,3 1 0,1-1 0,1-2 0,-2-4 0,2-1 0,1-4 0,0-2 0,1 0 0,2-1 0,1 2-244,-7-4 1,0 1-1,1 0 1,0 0-1,2-1 1,2 0-1,3-1 1,1-2 243,0-4 0,2 0 0,4-1 0,1 0 0,2-2 0,0 0 0,1-1 0,-1-1 0,-1 0 0,-2-1 0,-2 0-397,0-1 1,-3-1 0,-2-2-1,0 0 1,0 0 0,1-1-1,1 1 1,2-1 0,3 1 396,-7-1 0,1-1 0,3 1 0,1 0 0,1 0 0,1 0 0,1-1 0,-1 1 0,1-1 0,-1 1 0,0-1 0,-2-1 0,0 1 0,-3-1 0,9 0 0,-3 1 0,-1-1 0,-1 0 0,-1-1 0,1 0 0,1 0 0,2 0 0,2-1 0,3 0 0,-11 0 0,2-1 0,2-1 0,1 1 0,3 0 0,0-1 0,1 0 0,1 1 0,0-1 0,0 0 0,-1 0 0,0 0 0,-2-1 0,0 1 0,-3 0 0,-1-1 0,-3 1 0,8 0 0,-4 0 0,-2 0 0,-1 0 0,-2 0 0,0-1 0,1 1 0,1-2 0,2 1 0,3-1 0,4-1 0,-13-1 0,3 1 0,3-1 0,2-1 0,2 1 0,1-1 0,1 0 0,1-1 0,1 0 0,0 1 0,-1-1 0,0-1 0,-1 1 0,-2-1 0,-1 1 0,-2-1 0,-2 0 0,-4 0 0,-2 0 0,-3-1 0,17-1 0,-7-1 0,-4 0 0,-2 0 0,-2-1 0,2 0 0,2-1 0,5-1 0,-6 2 0,2-1 0,3-1 0,2 0 0,1 0 0,1-1 0,0 0 0,-1 0 0,-1 0 0,-2-1 0,-2 0 0,-4 1 0,-4-1 0,17-6 0,-5 0 0,-5 0 0,-1-1 0,-1 1 0,1-1 0,-2 2 0,1 0 0,-1-1 0,-1 1 0,-2-2 0,-2-1-192,3-5 1,-2-1 0,-1-2 0,-5 2 0,-5 0 191,9-10 0,-8-2 344,-7 2 0,-1-3 1,-6 0-345,-5-5 0,-5 0 1639,2-12 0,-8-5-1639,-12 11 0,-7-3 0,-1 1 0,1 4 0,-2 2 0,-5-1 552,-5 0 1,-5-2 0,-1 2 0,0 3-553,0 2 0,0 3 0,-4 0 0,2 3 0,-1 0 0,-4-1 0,-2 1 0,-1 4 0,-4-1 0,-1 0 0,0 1 0,2 2 0,-1 0 0,3 1 0,-2 1 0,-2-2 0,2 3 0,-3-3 0,-2 1 0,1 0 0,2 2 0,4 3 0,-4-1 0,4 3 0,-5 0 0,3 3 0,-5-2 0,-1 1 0,-1 0 0,3 1 0,-2 2 0,1 0 0,0 2 0,-3-2 0,5 2 0,-2 0 0,-2-1 0,-1 1 0,-1-1 0,-1 1 0,2 2 0,-3-1 0,-1 1 0,0 0 0,1 1 0,2-1 0,3 1 0,0 0 0,3-1 0,1 1 0,1 1 0,-2-1 0,-7 0 0,-2 0 0,0 0 0,4 1 0,5 2 0,5 1 0,4 2 0,-2 0 502,-5-1 1,-3 1 0,-1 0 0,1 1-503,-10 1 0,1 0 0,-3 1 0,3 0 0,-4-1 0,1 2 0,8 1 0,-5 2 0,5 1 0,3 1 0,7 0 0,16 0 0,14 0 0,9 0 0,2-3 0</inkml:trace>
+  <inkml:trace contextRef="#ctx0" brushRef="#br0" timeOffset="66013">1171 8400 24575,'55'0'0,"0"0"0,0 1 0,0-1 0,1 0 0,-1 0 0,0 0 0,0 0 0,0 0 0,0 0 0,1 0 0,-7 0 0,1 0 0,2 1 0,1-1 0,0 0 0,2 0 0,1 1 0,1-1 0,1 0 0,1 1 0,1-1 0,0 0 0,2 0 0,0 1 0,0-1 0,2 0 0,0-1 0,1 1 0,0 0 0,0-1 0,2 1-281,-16-1 0,2 0 0,0 0 0,1 1 0,0-2 0,1 1 0,1 0 1,1 0-1,0 0 0,0-1 0,1 1 0,1-1 0,-1 1 0,2-1 1,-1 0-1,1 1 0,0-1 0,0 0 0,1 1 0,0-1 0,-1 0 1,1 1-1,0-1 0,0 0 0,0 1 0,0-1 0,0 1 0,0-1 1,-1 1-1,1 0 0,-1-1 0,0 1 0,0 0 0,-1 0 0,0 0 238,0 0 0,0 1 1,1-1-1,-1 0 1,1 1-1,0 0 1,-1-1-1,1 1 0,0 0 1,0 0-1,0-1 1,0 1-1,0 0 1,0 0-1,0 0 1,-1 0-1,1 0 0,0 0 1,0 0-1,0 0 1,-1 0-1,1 0 1,0-1-1,-1 1 1,0 0-1,1 0 0,-1-1 1,0 1-1,0-1 1,0 1-1,-1-1 1,1 0-1,-1 0 1,0 1-1,1-2-25,1 1 1,1 0 0,0-1-1,0 1 1,0-1 0,1 0-1,-1 0 1,1 0 0,-1 0-1,1 0 1,-1-1 0,0 1-1,1 0 1,-1-1 0,-1 1-1,1 0 1,-1-1 0,0 1-1,0 0 1,-1-1 0,0 1-1,-1 0 1,0 0 0,-1 0-1,0 0 1,-1 0 0,-1 1 0,0-1-1,-1 1 1,-1-1 0,-1 1-1,0 1 68,14-1 0,0 0 0,-1 0 0,1 0 0,-1 1 0,-1 0 0,-1 0 0,0-1 0,-2 1 0,0 1 0,-2-1 0,-1 0 0,-2 0 0,-2 1 0,-2-1 0,-1 1 0,-3 0 0,-2-1 0,-3 1 242,28 0 0,-10 0 0,-5 1 0,-2 0 0,2 0 0,5 1-242,-7 0 0,4 1 0,2 0 0,2 0 0,-1 0 0,-1 1 0,-3 0 0,-4 0 0,-6-1 0,11 4 0,-7-1 0,-2 1 0,2 0-222,2 0 1,4 1 0,-1 0 0,-2-1 0,-7 0 221,-5 0 0,-6-1 0,7 0 421,3-2 1,6 1 0,5-1 0,1-1 0,-1 1 0,-5-2-422,5 0 0,-5 0 0,2-2 0,7 0 0,-8-1 0,5 0 0,4-1 0,2 0 0,1-1 0,-2 0 0,-4 0 0,-4-1 0,2-2 0,-3 0 0,-4-1 0,1 0 0,2-1 0,-2 1 0,2-1 0,0 0 0,0-1 0,-3 1 0,-3 0 980,4 0 1,-4 0 0,-3 0-1,-2 0-980,16-1 0,-9 0 1148,7-1-1148,-41 8 0,-13 0 0,-1 3 0</inkml:trace>
+  <inkml:trace contextRef="#ctx0" brushRef="#br0" timeOffset="88780">9580 5035 24575,'48'-11'0,"-11"7"0,6 1 0,8 0 0,-6 1 0,7 0 0,5 0 0,3 0 0,2 0 0,0 1 0,0-1-823,-10 1 1,1 0-1,0 0 1,1 1-1,0-1 1,2 1-1,2-1 1,2 0-1,2 1 823,-11-1 0,3 0 0,3 0 0,1 1 0,1-1 0,1 0 0,2 0 0,-1 0 0,0 1 0,0-1 0,-1 0 0,-1 0 0,-2 1 0,-2-1 0,-3 0-220,8 1 0,-3-1 0,-1 1 0,-3-1 0,0 1 1,0 0-1,0-1 0,0 1 0,2-1 0,2 1 220,-2-1 0,2 0 0,2 0 0,0 0 0,1 0 0,0 1 0,0-1 0,-2 0 0,-1 0 0,-2 1 0,-3 0 0,-2 0 0,16 1 0,-4 1 0,-3 0 0,-2 0 0,-2 0 0,0-1 0,0 0 0,-2-1 0,-1 0 0,-1 1 0,-1 0 0,8 2 0,0 2 0,-5-1 0,-13-1 1864,1-2-1864,-3 0 0,7-1 0,6 0 0,-11 0 0,1 0 0,17 0 0,3 0 0,-2-1 0,-8 0 0,-11 0 0,15-1 0,-51 1 0</inkml:trace>
+  <inkml:trace contextRef="#ctx0" brushRef="#br0" timeOffset="131004">5019 11339 24575,'-45'-15'0,"4"3"0,-4 1 0,-6 0 0,1 1 0,-4 2 0,1 2 0,-3 0 0,1 1 0,10 1 0,1 0 0,-2 0-631,-5 2 0,-2 0 0,4 0 631,-4 0 0,2-2 0,-4 0 0,0 0 0,5-1 0,-2-1 152,8 3 0,-2 0 0,2 1-152,-7 0 0,1 3 0,8 1 0,0 1 0,2 1 0,-4 3 0,2 2 0,0 2 0,2 1 0,7 0 0,2 2 1437,-18 18-1437,17-3 0,9 4 0,0 8 0,7-15 0,0 2 0,-4 21 0,4-12 0,1 0 0,2 3 0,-6 16 0,9-27 0,2-1 0,-3 21 0,10-12 0,2 6 0,0-2 0,1 2 0,0 0 0,6 14 0,3 2 0,2-4 0,5-2 0,5-2 0,9 1 0,-3-14 0,7 1 0,0 1 0,-2-4 0,-6-3 0,-1-3 0,1 0 0,11 4 0,2-1 0,-8-6 0,0 3 0,-5-5 0,2 0 0,-1-5 0,3-2-736,16 10 1,5-1 735,-14-13 0,1-3 0,1 1 0,2 2 0,1-1 0,5 1 0,-6-2 0,5 1 0,2 0 0,-1-1 0,-1 0 0,4 1 0,-3 0 0,2-1 0,6 0-421,-12-4 1,2 1 0,3 0 0,3 0-1,1-1 1,2 0 0,2-1 0,1 0 420,-8-2 0,3-1 0,1 0 0,1-1 0,1 0 0,2-1 0,0 0 0,2 1 0,-1-1 0,2 0 0,0 1 0,0 0-324,-8 0 0,2-1 0,0 1 0,1 0 0,0 0 0,1 0 0,1 0 0,0 0 0,0 0 0,0 0 0,0 0 0,0 0 1,0-1-1,-1 1 0,-1-1 0,0 0 324,2 0 0,-1-1 0,-1 1 0,1-1 0,0 0 0,-1 0 0,1 0 0,-1 0 0,0-1 0,0 1 0,-1 0 0,1 0 0,-1 0 0,0 0 0,0 0-267,5 0 0,1 1 1,0 0-1,1-1 0,-1 1 1,1 0-1,-2 0 1,-1-1-1,-1 1 0,-1-1 1,-3 0-1,-1 0 1,-3 0 266,13-1 0,-4 0 0,-4-1 0,-2 1 0,1-1 0,2 0 0,4-1-146,-8 1 0,2 0 1,1-1-1,1 1 1,1-1-1,1 0 0,0 1 1,-1-1-1,0 0 1,0 1 145,-1-1 0,0 1 0,0 0 0,0-1 0,0 1 0,0 0 0,0-1 0,0 1 0,1-1 0,-1 1 0,-3-1 0,0 0 0,0 0 0,0 1 0,1-1 0,-1 0 0,1 0 0,-1-1 0,2 1 0,-1 0 0,1 0 0,-1-1 0,1 1 0,1-1 0,1 1 0,0-1 0,0 0 0,-1 1 0,-1-1 0,0 0 0,-3 0 0,-1 1 0,-2-1-149,11-1 1,-3 0-1,-3 1 1,-1-1-1,-1 0 1,2 0-1,2 0 149,1 0 0,3-1 0,0 1 0,1-1 0,0 0 0,-3 1 0,-2-1 0,-4 1 0,7-1 0,-5 0 0,-2 1 0,-2-1 0,1 1 207,-2 0 0,-1 0 0,-1 0 0,0 1 1,-1-1-208,6-1 0,0 0 0,-1 0 0,-1 0 616,-3 1 1,-1-1-1,1 0 1,4 0-617,0-1 0,4 0 0,3-1 0,0 0 0,-3 0 0,-4 1 0,1 1 0,-4-1 0,-1 1 0,4 0 186,-2 0 1,4 0-1,1-1 1,0 1-1,-3 1 1,-7 0-187,7 2 0,-6 0 0,0 1 0,3 0 0,0 0 0,3-1 0,2-1 0,4-1 0,0 0 0,-2 0 0,3-1 0,-3 0 0,8 0 0,-18 1 0,7 0 0,2-1 0,2 0 0,0 1 0,-2-1 0,-5 1 0,2-1 0,-4 1 0,0-1 0,-1 1 0,2 0 0,8-1 0,2 0 0,0 0 0,-1 0 0,-2 1 0,4-2 0,-1 1 0,-3 0 0,-6 0 1964,7-1 1,-3 0-1965,-13 2 0,0 0 0,-2-1 1408,10-3 0,-3-2-1408,-10 3 0,1-2 0,9-6 0,5-3 0,-4 2 0,-5 2 0,-1 1 0,1-4 0,2-3 0,-7 3 0,6-8 274,-16 9 0,-2 0-274,0-10 3179,-12-5-3179,-17 1 0,-3-1 885,0-14-885,0 8 0,0-1 0,5-4 0,4-9 0,-3 11 0,-2 1 0,-6 12 0,-6-1 0,-17-10 0,-7 1 0,1-3 0,-3 1 0,7 11 0,-2 0 0,-2 1 0,-4-1 0,-2 0 0,1 2 0,5 3 0,2 1 0,0 1 0,1 1 0,0 0 0,-1 1 0,-16-9 0,3 2 0,21 13 0,0 0 0,-23-7 0,-1 2 0,15 7 0,0 2 0,-11 0 0,-2 2 0,-5 1 0,-1 0 0,3 1 0,-4-1 0,14 0 0,-5 0 0,-3-2 0,1 1 0,3 1 0,-11-1 0,2 1 0,-2 0-541,5-1 1,-2 0 0,0 0 0,4 2 540,3 1 0,3 2 0,3-1 0,-4 1 0,-1 1-226,-4-1 0,-6 1 0,-1 2 226,13 2 0,0 2 0,-1 1 0,-3 0 0,-1 1 0,-2-1 0,-1 1 0,-1 1 0,0 1-725,-3 2 1,-2 1-1,1 1 1,1 0 0,3-1 724,-2 1 0,3 0 0,1-1 0,-3-1 0,7-2 0,-3 0 0,0-1 0,2-1 0,3-2-398,-8 0 1,4-3-1,0 0 398,3-2 0,0 0 0,2-1 436,-16-1 1,3-1-437,15-1 0,-1-1 0,-1-1 0,-4 1 0,1-1 0,-9-1 0,-1 0 175,12 2 0,-1-1 1,-7 0-176,1 0 0,-8 0 0,-3-1 0,2 1 0,7 0 0,-4 0 0,6 0 0,-7 0 417,12 1 0,-6-1 0,-2-1 1,-1 1-1,2 0 0,5 1-417,-5 0 0,3 2 0,2-1 0,3 1 0,-2 0 0,3-1 0,-7 2 0,8 1 0,-6 0 0,-3 1 0,0 0 0,3 0 0,6-1 0,-6 2 0,6-1 0,-5 0 0,-1 0 0,-7 0 0,-2 1 0,1-2 0,7 1 0,-4-1 0,5 0 0,0 0 0,0 0 0,1 0 0,-2-1 0,-5 1 0,-3 0 0,0-1 0,12 0 0,-2-1 0,1-1 0,0 1 0,-9 1 0,1 0 0,-2-1 0,8 0 0,-2-1 0,0 0 0,2 0 0,-9-1 0,3 1 0,2 0 0,11 0 0,2 1 0,-2 0 0,-11-1 0,-2 0 0,4 0 0,1 1 0,-1 1 0,6 0 0,-3 0 0,1 1 0,-6 0 0,-5 0 0,13 1 0,-6 0 0,-4 0 0,2 1 0,4 0 0,3 0 0,4 0 0,-1 0 0,-1 1 0,-10 0 0,-2 0 0,0 0 0,2 0 0,7 0 0,2 0 0,0 0 0,-1-1 318,-7 0 0,0-1 0,-2 0 0,0 0-318,8 0 0,-1 0 0,0-1 0,-1 1 0,2 0 0,-11-1 0,0 0 0,2 1 0,3-1-173,-5 0 1,4-1-1,4 1 173,0 1 0,3 0 0,4-1 0,-1 1-339,-3 0 1,-1 1 338,3-1 0,0 0 589,-11 1 0,0-1-589,8 0 0,-1 0 0,11 1 0,-2 0 0,3 0 0,-1 0 0,3 1 0,-1 0 0,-3 0 0,-15 1 0,-7 1 0,7-1 0,14 0 0,1 0 0,-14 0 0,-7 0 0,15 0 0,16-1 283,-2 2-283,-18 5 1421,10 0-1421,7-1 0,-1-1 793,-8 6-793,5-3 0,13 0 0,29-13 0,0 0 0,6-5 0,-6 4 0</inkml:trace>
+  <inkml:trace contextRef="#ctx0" brushRef="#br0" timeOffset="245202">1785 12595 24575,'28'5'0,"16"1"0,14 2 0,-17-2 0,5 0 0,4 1 0,1 0 0,1 0-165,-2 1 0,3 1 0,0 0 0,1 0 1,0 0-1,-2-1 165,7 0 0,0-1 0,0 0 0,-3-1 0,-3 2 0,-2 1 0,0 1 0,-6-2 0,-9-2 0,4-5 0,-43 0 0</inkml:trace>
+  <inkml:trace contextRef="#ctx0" brushRef="#br0" timeOffset="246094">1513 12944 24575,'59'9'0,"-3"-1"0,-20-2 0,2-1-483,-1-1 1,1 0 482,6 1 0,1 0 0,2 0 0,0-1 158,4 1 0,3 2-158,-1 0 0,5 1 0,-4-1 0,-4-1 0,-2 1 0,-3-1 0,2 1 0,-9-1 0,0 0 160,-5 0-160,-5 0 0,-3-1 0,11 0 489,-12-2-489,25 4 0,-8 1 0,5 1 0,4 0 0,-18-4 0,-11-4 0,-11 0 0</inkml:trace>
+</inkml:ink>
 </file>
 
 <file path=ppt/notesMasters/notesMaster1.xml><?xml version="1.0" encoding="utf-8"?>
@@ -553,7 +592,7 @@
           <a:p>
             <a:fld id="{DC2B8C24-ACAE-AE41-B565-178ED93271F0}" type="slidenum">
               <a:rPr lang="en-US" smtClean="0"/>
-              <a:t>5</a:t>
+              <a:t>6</a:t>
             </a:fld>
             <a:endParaRPr lang="en-US"/>
           </a:p>
@@ -643,7 +682,7 @@
           <a:p>
             <a:fld id="{DC2B8C24-ACAE-AE41-B565-178ED93271F0}" type="slidenum">
               <a:rPr lang="en-US" smtClean="0"/>
-              <a:t>10</a:t>
+              <a:t>11</a:t>
             </a:fld>
             <a:endParaRPr lang="en-US"/>
           </a:p>
@@ -922,7 +961,7 @@
           <a:p>
             <a:fld id="{DC2B8C24-ACAE-AE41-B565-178ED93271F0}" type="slidenum">
               <a:rPr lang="en-US" smtClean="0"/>
-              <a:t>11</a:t>
+              <a:t>12</a:t>
             </a:fld>
             <a:endParaRPr lang="en-US"/>
           </a:p>
@@ -1006,7 +1045,7 @@
           <a:p>
             <a:fld id="{DC2B8C24-ACAE-AE41-B565-178ED93271F0}" type="slidenum">
               <a:rPr lang="en-US" smtClean="0"/>
-              <a:t>12</a:t>
+              <a:t>13</a:t>
             </a:fld>
             <a:endParaRPr lang="en-US"/>
           </a:p>
@@ -1090,7 +1129,7 @@
           <a:p>
             <a:fld id="{DC2B8C24-ACAE-AE41-B565-178ED93271F0}" type="slidenum">
               <a:rPr lang="en-US" smtClean="0"/>
-              <a:t>13</a:t>
+              <a:t>14</a:t>
             </a:fld>
             <a:endParaRPr lang="en-US"/>
           </a:p>
@@ -4201,8 +4240,12 @@
           <a:lstStyle/>
           <a:p>
             <a:r>
+              <a:rPr lang="en-US" sz="3200" dirty="0" err="1"/>
+              <a:t>HaplotypeCaller</a:t>
+            </a:r>
+            <a:r>
               <a:rPr lang="en-US" sz="3200" dirty="0"/>
-              <a:t>GATK to SNP discovery</a:t>
+              <a:t> of GATK4</a:t>
             </a:r>
           </a:p>
         </p:txBody>
@@ -4219,8 +4262,8 @@
         </p:nvSpPr>
         <p:spPr>
           <a:xfrm>
-            <a:off x="699364" y="1604804"/>
-            <a:ext cx="8229600" cy="4848250"/>
+            <a:off x="573813" y="1204379"/>
+            <a:ext cx="8426495" cy="5209484"/>
           </a:xfrm>
         </p:spPr>
         <p:txBody>
@@ -4233,11 +4276,8 @@
               <a:buNone/>
             </a:pPr>
             <a:r>
-              <a:rPr lang="en-US" dirty="0">
-                <a:latin typeface="Courier"/>
-                <a:cs typeface="Courier"/>
-              </a:rPr>
-              <a:t>### using </a:t>
+              <a:rPr lang="en-US" dirty="0"/>
+              <a:t>USAGE: </a:t>
             </a:r>
             <a:r>
               <a:rPr lang="en-US" dirty="0" err="1"/>
@@ -4245,249 +4285,148 @@
             </a:r>
             <a:r>
               <a:rPr lang="en-US" dirty="0"/>
+              <a:t> [arguments]</a:t>
+            </a:r>
+          </a:p>
+          <a:p>
+            <a:pPr marL="0" indent="0">
+              <a:buNone/>
+            </a:pPr>
+            <a:r>
+              <a:rPr lang="en-US" dirty="0"/>
+              <a:t>Call </a:t>
+            </a:r>
+            <a:r>
+              <a:rPr lang="en-US" dirty="0" err="1"/>
+              <a:t>germline</a:t>
+            </a:r>
+            <a:r>
+              <a:rPr lang="en-US" dirty="0"/>
+              <a:t> SNPs and </a:t>
+            </a:r>
+            <a:r>
+              <a:rPr lang="en-US" dirty="0" err="1"/>
+              <a:t>indels</a:t>
+            </a:r>
+            <a:r>
+              <a:rPr lang="en-US" dirty="0"/>
+              <a:t> via local re-assembly of haplotypes</a:t>
+            </a:r>
+          </a:p>
+          <a:p>
+            <a:pPr marL="0" indent="0">
+              <a:buNone/>
+            </a:pPr>
+            <a:r>
+              <a:rPr lang="de-DE" dirty="0"/>
+              <a:t>Version:4.1.0.0</a:t>
+            </a:r>
+          </a:p>
+          <a:p>
+            <a:pPr marL="0" indent="0">
+              <a:buNone/>
+            </a:pPr>
+            <a:endParaRPr lang="de-DE" dirty="0"/>
+          </a:p>
+          <a:p>
+            <a:pPr marL="0" indent="0">
+              <a:buNone/>
+            </a:pPr>
+            <a:r>
+              <a:rPr lang="de-DE" dirty="0" err="1"/>
+              <a:t>Required</a:t>
+            </a:r>
+            <a:r>
+              <a:rPr lang="de-DE" dirty="0"/>
+              <a:t> Arguments:</a:t>
+            </a:r>
+          </a:p>
+          <a:p>
+            <a:pPr marL="0" indent="0">
+              <a:buNone/>
+            </a:pPr>
+            <a:r>
+              <a:rPr lang="de-DE" dirty="0"/>
+              <a:t>-</a:t>
+            </a:r>
+            <a:r>
+              <a:rPr lang="de-DE" dirty="0" err="1"/>
+              <a:t>I:String</a:t>
+            </a:r>
+            <a:r>
+              <a:rPr lang="de-DE" dirty="0"/>
+              <a:t>	  BAM/SAM/CRAM </a:t>
+            </a:r>
+            <a:r>
+              <a:rPr lang="de-DE" dirty="0" err="1"/>
+              <a:t>file</a:t>
+            </a:r>
+            <a:r>
+              <a:rPr lang="de-DE" dirty="0"/>
               <a:t> </a:t>
             </a:r>
             <a:r>
-              <a:rPr lang="en-US" dirty="0">
-                <a:latin typeface="Courier"/>
-                <a:cs typeface="Courier"/>
-              </a:rPr>
-              <a:t>from GATK</a:t>
-            </a:r>
-          </a:p>
-          <a:p>
-            <a:pPr marL="0" indent="0">
-              <a:buNone/>
-            </a:pPr>
-            <a:r>
-              <a:rPr lang="ro-RO" dirty="0">
-                <a:latin typeface="Courier"/>
-                <a:cs typeface="Courier"/>
-              </a:rPr>
-              <a:t>module load Java/1.8.0_192 </a:t>
-            </a:r>
-          </a:p>
-          <a:p>
-            <a:pPr marL="0" indent="0">
-              <a:buNone/>
-            </a:pPr>
-            <a:r>
-              <a:rPr lang="en-US" dirty="0">
-                <a:latin typeface="Courier"/>
-                <a:cs typeface="Courier"/>
-              </a:rPr>
-              <a:t>cd GATK</a:t>
-            </a:r>
-          </a:p>
-          <a:p>
-            <a:pPr marL="0" indent="0">
-              <a:buNone/>
-            </a:pPr>
-            <a:endParaRPr lang="en-US" dirty="0">
-              <a:latin typeface="Courier"/>
-              <a:cs typeface="Courier"/>
-            </a:endParaRPr>
-          </a:p>
-          <a:p>
-            <a:pPr marL="0" indent="0">
-              <a:buNone/>
-            </a:pPr>
-            <a:r>
-              <a:rPr lang="en-US" dirty="0">
-                <a:latin typeface="Courier"/>
-                <a:cs typeface="Courier"/>
-              </a:rPr>
-              <a:t>$</a:t>
-            </a:r>
-            <a:r>
-              <a:rPr lang="en-US" dirty="0" err="1">
-                <a:latin typeface="Courier"/>
-                <a:cs typeface="Courier"/>
-              </a:rPr>
-              <a:t>gatk</a:t>
-            </a:r>
-            <a:r>
-              <a:rPr lang="en-US" dirty="0">
-                <a:latin typeface="Courier"/>
-                <a:cs typeface="Courier"/>
-              </a:rPr>
+              <a:rPr lang="de-DE" dirty="0" err="1"/>
+              <a:t>containing</a:t>
+            </a:r>
+            <a:r>
+              <a:rPr lang="de-DE" dirty="0"/>
               <a:t> </a:t>
             </a:r>
             <a:r>
-              <a:rPr lang="ro-RO" dirty="0">
-                <a:latin typeface="Courier"/>
-                <a:cs typeface="Courier"/>
-              </a:rPr>
-              <a:t>HaplotypeCaller </a:t>
-            </a:r>
-            <a:r>
-              <a:rPr lang="en-US" dirty="0">
-                <a:latin typeface="Courier"/>
-                <a:cs typeface="Courier"/>
-              </a:rPr>
-              <a:t>\</a:t>
-            </a:r>
-          </a:p>
-          <a:p>
-            <a:pPr marL="0" indent="0">
-              <a:buNone/>
-            </a:pPr>
-            <a:r>
-              <a:rPr lang="en-US" dirty="0">
-                <a:latin typeface="Courier"/>
-                <a:cs typeface="Courier"/>
-              </a:rPr>
-              <a:t>  </a:t>
-            </a:r>
-            <a:r>
-              <a:rPr lang="fr-FR" dirty="0">
-                <a:latin typeface="Courier"/>
-                <a:cs typeface="Courier"/>
-              </a:rPr>
-              <a:t>--java-options '-Xmx8G' \</a:t>
-            </a:r>
-            <a:endParaRPr lang="en-US" dirty="0">
-              <a:latin typeface="Courier"/>
-              <a:cs typeface="Courier"/>
-            </a:endParaRPr>
-          </a:p>
-          <a:p>
-            <a:pPr marL="0" indent="0">
-              <a:buNone/>
-            </a:pPr>
-            <a:r>
-              <a:rPr lang="en-US" dirty="0">
-                <a:latin typeface="Courier"/>
-                <a:cs typeface="Courier"/>
-              </a:rPr>
-              <a:t>  -R ../references/Ecoli_k12_MG1655.fasta \</a:t>
-            </a:r>
-          </a:p>
-          <a:p>
-            <a:pPr marL="0" indent="0">
-              <a:buNone/>
-            </a:pPr>
-            <a:r>
-              <a:rPr lang="en-US" dirty="0">
-                <a:latin typeface="Courier"/>
-                <a:cs typeface="Courier"/>
-              </a:rPr>
-              <a:t>  -I ../data/DH10B.parse.bam \</a:t>
-            </a:r>
-          </a:p>
-          <a:p>
-            <a:pPr marL="0" indent="0">
-              <a:buNone/>
-            </a:pPr>
-            <a:r>
-              <a:rPr lang="en-US" dirty="0">
-                <a:latin typeface="Courier"/>
-                <a:cs typeface="Courier"/>
-              </a:rPr>
-              <a:t>  -I ../data/MG1655.parse.bam \</a:t>
-            </a:r>
-          </a:p>
-          <a:p>
-            <a:pPr marL="0" indent="0">
-              <a:buNone/>
-            </a:pPr>
-            <a:r>
-              <a:rPr lang="en-US" dirty="0">
-                <a:latin typeface="Courier"/>
-                <a:cs typeface="Courier"/>
-              </a:rPr>
-              <a:t>  </a:t>
-            </a:r>
-            <a:r>
-              <a:rPr lang="fr-FR" dirty="0">
-                <a:latin typeface="Courier"/>
-                <a:cs typeface="Courier"/>
-              </a:rPr>
+              <a:rPr lang="de-DE" dirty="0" err="1"/>
+              <a:t>reads</a:t>
+            </a:r>
+            <a:r>
+              <a:rPr lang="de-DE" dirty="0"/>
+              <a:t>.</a:t>
+            </a:r>
+            <a:endParaRPr lang="en-US" dirty="0"/>
+          </a:p>
+          <a:p>
+            <a:pPr marL="0" indent="0">
+              <a:buNone/>
+            </a:pPr>
+            <a:endParaRPr lang="en-US" dirty="0"/>
+          </a:p>
+          <a:p>
+            <a:pPr marL="0" indent="0">
+              <a:buNone/>
+            </a:pPr>
+            <a:r>
+              <a:rPr lang="en-US" dirty="0"/>
               <a:t>-</a:t>
             </a:r>
             <a:r>
-              <a:rPr lang="fr-FR" dirty="0" err="1">
-                <a:latin typeface="Courier"/>
-                <a:cs typeface="Courier"/>
-              </a:rPr>
-              <a:t>ploidy</a:t>
-            </a:r>
-            <a:r>
-              <a:rPr lang="fr-FR" dirty="0">
-                <a:latin typeface="Courier"/>
-                <a:cs typeface="Courier"/>
-              </a:rPr>
-              <a:t> 1 \</a:t>
-            </a:r>
-          </a:p>
-          <a:p>
-            <a:pPr marL="0" indent="0">
-              <a:buNone/>
-            </a:pPr>
-            <a:r>
-              <a:rPr lang="en-US" dirty="0">
-                <a:latin typeface="Courier"/>
-                <a:cs typeface="Courier"/>
-              </a:rPr>
-              <a:t>  -O </a:t>
-            </a:r>
-            <a:r>
-              <a:rPr lang="en-US" dirty="0" err="1">
-                <a:latin typeface="Courier"/>
-                <a:cs typeface="Courier"/>
-              </a:rPr>
-              <a:t>variants.raw.vcf</a:t>
-            </a:r>
-            <a:r>
-              <a:rPr lang="en-US" dirty="0">
-                <a:latin typeface="Courier"/>
-                <a:cs typeface="Courier"/>
-              </a:rPr>
-              <a:t> &amp;&gt;</a:t>
-            </a:r>
-            <a:r>
-              <a:rPr lang="en-US" dirty="0" err="1">
-                <a:latin typeface="Courier"/>
-                <a:cs typeface="Courier"/>
-              </a:rPr>
-              <a:t>variants.log</a:t>
-            </a:r>
-            <a:endParaRPr lang="en-US" dirty="0">
-              <a:latin typeface="Courier"/>
-              <a:cs typeface="Courier"/>
-            </a:endParaRPr>
-          </a:p>
-        </p:txBody>
-      </p:sp>
-      <p:sp>
-        <p:nvSpPr>
-          <p:cNvPr id="5" name="TextBox 4"/>
-          <p:cNvSpPr txBox="1"/>
-          <p:nvPr/>
-        </p:nvSpPr>
-        <p:spPr>
-          <a:xfrm>
-            <a:off x="589194" y="1081584"/>
-            <a:ext cx="3982806" cy="523220"/>
-          </a:xfrm>
-          <a:prstGeom prst="rect">
-            <a:avLst/>
-          </a:prstGeom>
-          <a:noFill/>
-        </p:spPr>
-        <p:txBody>
-          <a:bodyPr wrap="none" rtlCol="0">
-            <a:spAutoFit/>
-          </a:bodyPr>
-          <a:lstStyle/>
-          <a:p>
-            <a:r>
-              <a:rPr lang="en-US" sz="2800" dirty="0">
-                <a:solidFill>
-                  <a:srgbClr val="FF0000"/>
-                </a:solidFill>
-              </a:rPr>
-              <a:t>In the directory of "GATK"</a:t>
+              <a:rPr lang="en-US" dirty="0" err="1"/>
+              <a:t>O:String</a:t>
+            </a:r>
+            <a:r>
+              <a:rPr lang="en-US" dirty="0"/>
+              <a:t>  File to which variants should be written. </a:t>
+            </a:r>
+          </a:p>
+          <a:p>
+            <a:pPr marL="0" indent="0">
+              <a:buNone/>
+            </a:pPr>
+            <a:endParaRPr lang="en-US" dirty="0"/>
+          </a:p>
+          <a:p>
+            <a:pPr marL="0" indent="0">
+              <a:buNone/>
+            </a:pPr>
+            <a:r>
+              <a:rPr lang="en-US" dirty="0"/>
+              <a:t>-</a:t>
+            </a:r>
+            <a:r>
+              <a:rPr lang="en-US" dirty="0" err="1"/>
+              <a:t>R:String</a:t>
+            </a:r>
+            <a:r>
+              <a:rPr lang="en-US" dirty="0"/>
+              <a:t>	  Reference sequence file. </a:t>
             </a:r>
           </a:p>
         </p:txBody>
@@ -4495,7 +4434,7 @@
     </p:spTree>
     <p:extLst>
       <p:ext uri="{BB962C8B-B14F-4D97-AF65-F5344CB8AC3E}">
-        <p14:creationId xmlns:p14="http://schemas.microsoft.com/office/powerpoint/2010/main" val="3734059720"/>
+        <p14:creationId xmlns:p14="http://schemas.microsoft.com/office/powerpoint/2010/main" val="666912136"/>
       </p:ext>
     </p:extLst>
   </p:cSld>
@@ -4541,7 +4480,7 @@
           <a:p>
             <a:r>
               <a:rPr lang="en-US" sz="3200" dirty="0"/>
-              <a:t>Variant filtering</a:t>
+              <a:t>GATK to SNP discovery</a:t>
             </a:r>
           </a:p>
         </p:txBody>
@@ -4558,13 +4497,13 @@
         </p:nvSpPr>
         <p:spPr>
           <a:xfrm>
-            <a:off x="356275" y="1712343"/>
-            <a:ext cx="8575365" cy="3110696"/>
+            <a:off x="699364" y="1604804"/>
+            <a:ext cx="8229600" cy="4848250"/>
           </a:xfrm>
         </p:spPr>
         <p:txBody>
           <a:bodyPr>
-            <a:normAutofit/>
+            <a:noAutofit/>
           </a:bodyPr>
           <a:lstStyle/>
           <a:p>
@@ -4572,198 +4511,230 @@
               <a:buNone/>
             </a:pPr>
             <a:r>
-              <a:rPr lang="en-US" sz="2000" dirty="0">
-                <a:latin typeface="Courier"/>
-                <a:cs typeface="Courier"/>
-              </a:rPr>
-              <a:t>$</a:t>
-            </a:r>
-            <a:r>
-              <a:rPr lang="en-US" sz="2000" dirty="0" err="1">
-                <a:latin typeface="Courier"/>
-                <a:cs typeface="Courier"/>
-              </a:rPr>
-              <a:t>gatk</a:t>
-            </a:r>
-            <a:r>
-              <a:rPr lang="en-US" sz="2000" dirty="0">
-                <a:latin typeface="Courier"/>
-                <a:cs typeface="Courier"/>
-              </a:rPr>
+              <a:rPr lang="en-US" dirty="0">
+                <a:latin typeface="Courier"/>
+                <a:cs typeface="Courier"/>
+              </a:rPr>
+              <a:t>### using </a:t>
+            </a:r>
+            <a:r>
+              <a:rPr lang="en-US" dirty="0" err="1"/>
+              <a:t>HaplotypeCaller</a:t>
+            </a:r>
+            <a:r>
+              <a:rPr lang="en-US" dirty="0"/>
               <a:t> </a:t>
             </a:r>
             <a:r>
-              <a:rPr lang="en-US" sz="2000" dirty="0" err="1">
-                <a:latin typeface="Courier"/>
-                <a:cs typeface="Courier"/>
-              </a:rPr>
-              <a:t>SelectVariants</a:t>
-            </a:r>
-            <a:r>
-              <a:rPr lang="en-US" sz="2000" dirty="0">
-                <a:latin typeface="Courier"/>
-                <a:cs typeface="Courier"/>
-              </a:rPr>
-              <a:t> \</a:t>
-            </a:r>
-          </a:p>
-          <a:p>
-            <a:pPr marL="0" indent="0">
-              <a:buNone/>
-            </a:pPr>
-            <a:r>
-              <a:rPr lang="en-US" sz="2000" dirty="0">
-                <a:latin typeface="Courier"/>
-                <a:cs typeface="Courier"/>
-              </a:rPr>
-              <a:t>  -R ../references/Ecoli_k12_MG1655.fasta \</a:t>
-            </a:r>
-          </a:p>
-          <a:p>
-            <a:pPr marL="0" indent="0">
-              <a:buNone/>
-            </a:pPr>
-            <a:r>
-              <a:rPr lang="en-US" sz="2000" dirty="0">
-                <a:latin typeface="Courier"/>
-                <a:cs typeface="Courier"/>
-              </a:rPr>
-              <a:t>  -V </a:t>
-            </a:r>
-            <a:r>
-              <a:rPr lang="en-US" sz="2000" dirty="0" err="1">
-                <a:latin typeface="Courier"/>
-                <a:cs typeface="Courier"/>
-              </a:rPr>
-              <a:t>variants.raw.vcf</a:t>
-            </a:r>
-            <a:r>
-              <a:rPr lang="en-US" sz="2000" dirty="0">
-                <a:latin typeface="Courier"/>
-                <a:cs typeface="Courier"/>
-              </a:rPr>
-              <a:t> \</a:t>
-            </a:r>
-          </a:p>
-          <a:p>
-            <a:pPr marL="0" indent="0">
-              <a:buNone/>
-            </a:pPr>
-            <a:r>
-              <a:rPr lang="en-US" sz="2000" dirty="0">
-                <a:latin typeface="Courier"/>
-                <a:cs typeface="Courier"/>
-              </a:rPr>
-              <a:t>  -select 'QD &gt;= </a:t>
-            </a:r>
-            <a:r>
-              <a:rPr lang="en-US" sz="2000" dirty="0">
-                <a:solidFill>
-                  <a:srgbClr val="FF0000"/>
-                </a:solidFill>
-                <a:latin typeface="Courier"/>
-                <a:cs typeface="Courier"/>
-              </a:rPr>
-              <a:t>10.0</a:t>
-            </a:r>
-            <a:r>
-              <a:rPr lang="en-US" sz="2000" dirty="0">
-                <a:latin typeface="Courier"/>
-                <a:cs typeface="Courier"/>
-              </a:rPr>
-              <a:t>' \</a:t>
-            </a:r>
-          </a:p>
-          <a:p>
-            <a:pPr marL="0" indent="0">
-              <a:buNone/>
-            </a:pPr>
-            <a:r>
-              <a:rPr lang="en-US" sz="2000" dirty="0">
-                <a:latin typeface="Courier"/>
-                <a:cs typeface="Courier"/>
-              </a:rPr>
-              <a:t>  -select 'DP &gt;= </a:t>
-            </a:r>
-            <a:r>
-              <a:rPr lang="en-US" sz="2000" dirty="0">
-                <a:solidFill>
-                  <a:srgbClr val="FF0000"/>
-                </a:solidFill>
-                <a:latin typeface="Courier"/>
-                <a:cs typeface="Courier"/>
-              </a:rPr>
-              <a:t>10.0</a:t>
-            </a:r>
-            <a:r>
-              <a:rPr lang="en-US" sz="2000" dirty="0">
-                <a:latin typeface="Courier"/>
-                <a:cs typeface="Courier"/>
-              </a:rPr>
-              <a:t>' \</a:t>
-            </a:r>
-          </a:p>
-          <a:p>
-            <a:pPr marL="0" indent="0">
-              <a:buNone/>
-            </a:pPr>
-            <a:r>
-              <a:rPr lang="en-US" sz="2000" dirty="0">
-                <a:latin typeface="Courier"/>
-                <a:cs typeface="Courier"/>
-              </a:rPr>
-              <a:t>  --restrict-alleles-to BIALLELIC \</a:t>
-            </a:r>
-          </a:p>
-          <a:p>
-            <a:pPr marL="0" indent="0">
-              <a:buNone/>
-            </a:pPr>
-            <a:r>
-              <a:rPr lang="en-US" sz="2000" dirty="0">
-                <a:latin typeface="Courier"/>
-                <a:cs typeface="Courier"/>
-              </a:rPr>
-              <a:t>  -select-type SNP \</a:t>
-            </a:r>
-          </a:p>
-          <a:p>
-            <a:pPr marL="0" indent="0">
-              <a:buNone/>
-            </a:pPr>
-            <a:r>
-              <a:rPr lang="en-US" sz="2000" dirty="0">
-                <a:latin typeface="Courier"/>
-                <a:cs typeface="Courier"/>
-              </a:rPr>
-              <a:t>  -O </a:t>
-            </a:r>
-            <a:r>
-              <a:rPr lang="en-US" sz="2000" dirty="0" err="1">
-                <a:latin typeface="Courier"/>
-                <a:cs typeface="Courier"/>
-              </a:rPr>
-              <a:t>selected.snp.vcf</a:t>
-            </a:r>
-            <a:r>
-              <a:rPr lang="en-US" sz="2000" dirty="0">
-                <a:latin typeface="Courier"/>
-                <a:cs typeface="Courier"/>
-              </a:rPr>
-              <a:t> &amp;&gt;</a:t>
-            </a:r>
-            <a:r>
-              <a:rPr lang="en-US" sz="2000" dirty="0" err="1">
-                <a:latin typeface="Courier"/>
-                <a:cs typeface="Courier"/>
-              </a:rPr>
-              <a:t>selected.log</a:t>
-            </a:r>
-            <a:endParaRPr lang="en-US" sz="2000" dirty="0">
+              <a:rPr lang="en-US" dirty="0">
+                <a:latin typeface="Courier"/>
+                <a:cs typeface="Courier"/>
+              </a:rPr>
+              <a:t>from GATK</a:t>
+            </a:r>
+          </a:p>
+          <a:p>
+            <a:pPr marL="0" indent="0">
+              <a:buNone/>
+            </a:pPr>
+            <a:r>
+              <a:rPr lang="ro-RO" dirty="0">
+                <a:latin typeface="Courier"/>
+                <a:cs typeface="Courier"/>
+              </a:rPr>
+              <a:t>module load Java/1.8.0_192 </a:t>
+            </a:r>
+          </a:p>
+          <a:p>
+            <a:pPr marL="0" indent="0">
+              <a:buNone/>
+            </a:pPr>
+            <a:r>
+              <a:rPr lang="en-US" dirty="0">
+                <a:latin typeface="Courier"/>
+                <a:cs typeface="Courier"/>
+              </a:rPr>
+              <a:t>cd GATK</a:t>
+            </a:r>
+          </a:p>
+          <a:p>
+            <a:pPr marL="0" indent="0">
+              <a:buNone/>
+            </a:pPr>
+            <a:endParaRPr lang="en-US" dirty="0">
               <a:latin typeface="Courier"/>
               <a:cs typeface="Courier"/>
             </a:endParaRPr>
           </a:p>
+          <a:p>
+            <a:pPr marL="0" indent="0">
+              <a:buNone/>
+            </a:pPr>
+            <a:r>
+              <a:rPr lang="en-US" dirty="0">
+                <a:latin typeface="Courier"/>
+                <a:cs typeface="Courier"/>
+              </a:rPr>
+              <a:t>$</a:t>
+            </a:r>
+            <a:r>
+              <a:rPr lang="en-US" dirty="0" err="1">
+                <a:latin typeface="Courier"/>
+                <a:cs typeface="Courier"/>
+              </a:rPr>
+              <a:t>gatk</a:t>
+            </a:r>
+            <a:r>
+              <a:rPr lang="en-US" dirty="0">
+                <a:latin typeface="Courier"/>
+                <a:cs typeface="Courier"/>
+              </a:rPr>
+              <a:t> </a:t>
+            </a:r>
+            <a:r>
+              <a:rPr lang="ro-RO" dirty="0">
+                <a:latin typeface="Courier"/>
+                <a:cs typeface="Courier"/>
+              </a:rPr>
+              <a:t>HaplotypeCaller </a:t>
+            </a:r>
+            <a:r>
+              <a:rPr lang="en-US" dirty="0">
+                <a:latin typeface="Courier"/>
+                <a:cs typeface="Courier"/>
+              </a:rPr>
+              <a:t>\</a:t>
+            </a:r>
+          </a:p>
+          <a:p>
+            <a:pPr marL="0" indent="0">
+              <a:buNone/>
+            </a:pPr>
+            <a:r>
+              <a:rPr lang="en-US" dirty="0">
+                <a:latin typeface="Courier"/>
+                <a:cs typeface="Courier"/>
+              </a:rPr>
+              <a:t>  </a:t>
+            </a:r>
+            <a:r>
+              <a:rPr lang="fr-FR" dirty="0">
+                <a:latin typeface="Courier"/>
+                <a:cs typeface="Courier"/>
+              </a:rPr>
+              <a:t>--java-options '-Xmx8G' \</a:t>
+            </a:r>
+            <a:endParaRPr lang="en-US" dirty="0">
+              <a:latin typeface="Courier"/>
+              <a:cs typeface="Courier"/>
+            </a:endParaRPr>
+          </a:p>
+          <a:p>
+            <a:pPr marL="0" indent="0">
+              <a:buNone/>
+            </a:pPr>
+            <a:r>
+              <a:rPr lang="en-US" dirty="0">
+                <a:latin typeface="Courier"/>
+                <a:cs typeface="Courier"/>
+              </a:rPr>
+              <a:t>  -R ../references/Ecoli_k12_MG1655.fasta \</a:t>
+            </a:r>
+          </a:p>
+          <a:p>
+            <a:pPr marL="0" indent="0">
+              <a:buNone/>
+            </a:pPr>
+            <a:r>
+              <a:rPr lang="en-US" dirty="0">
+                <a:latin typeface="Courier"/>
+                <a:cs typeface="Courier"/>
+              </a:rPr>
+              <a:t>  -I ../data/DH10B.parse.bam \</a:t>
+            </a:r>
+          </a:p>
+          <a:p>
+            <a:pPr marL="0" indent="0">
+              <a:buNone/>
+            </a:pPr>
+            <a:r>
+              <a:rPr lang="en-US" dirty="0">
+                <a:latin typeface="Courier"/>
+                <a:cs typeface="Courier"/>
+              </a:rPr>
+              <a:t>  -I ../data/MG1655.parse.bam \</a:t>
+            </a:r>
+          </a:p>
+          <a:p>
+            <a:pPr marL="0" indent="0">
+              <a:buNone/>
+            </a:pPr>
+            <a:r>
+              <a:rPr lang="en-US" dirty="0">
+                <a:latin typeface="Courier"/>
+                <a:cs typeface="Courier"/>
+              </a:rPr>
+              <a:t>  </a:t>
+            </a:r>
+            <a:r>
+              <a:rPr lang="fr-FR" dirty="0">
+                <a:latin typeface="Courier"/>
+                <a:cs typeface="Courier"/>
+              </a:rPr>
+              <a:t>-</a:t>
+            </a:r>
+            <a:r>
+              <a:rPr lang="fr-FR" dirty="0" err="1">
+                <a:latin typeface="Courier"/>
+                <a:cs typeface="Courier"/>
+              </a:rPr>
+              <a:t>ploidy</a:t>
+            </a:r>
+            <a:r>
+              <a:rPr lang="fr-FR" dirty="0">
+                <a:latin typeface="Courier"/>
+                <a:cs typeface="Courier"/>
+              </a:rPr>
+              <a:t> 1 \</a:t>
+            </a:r>
+          </a:p>
+          <a:p>
+            <a:pPr marL="0" indent="0">
+              <a:buNone/>
+            </a:pPr>
+            <a:r>
+              <a:rPr lang="en-US" dirty="0">
+                <a:latin typeface="Courier"/>
+                <a:cs typeface="Courier"/>
+              </a:rPr>
+              <a:t>  -O </a:t>
+            </a:r>
+            <a:r>
+              <a:rPr lang="en-US" dirty="0" err="1">
+                <a:latin typeface="Courier"/>
+                <a:cs typeface="Courier"/>
+              </a:rPr>
+              <a:t>variants.raw.vcf</a:t>
+            </a:r>
+            <a:r>
+              <a:rPr lang="en-US" dirty="0">
+                <a:latin typeface="Courier"/>
+                <a:cs typeface="Courier"/>
+              </a:rPr>
+              <a:t> &amp;&gt;</a:t>
+            </a:r>
+            <a:r>
+              <a:rPr lang="en-US" dirty="0" err="1">
+                <a:latin typeface="Courier"/>
+                <a:cs typeface="Courier"/>
+              </a:rPr>
+              <a:t>variants.log</a:t>
+            </a:r>
+            <a:endParaRPr lang="en-US" dirty="0">
+              <a:latin typeface="Courier"/>
+              <a:cs typeface="Courier"/>
+            </a:endParaRPr>
+          </a:p>
         </p:txBody>
       </p:sp>
       <p:sp>
@@ -4774,85 +4745,7 @@
         </p:nvSpPr>
         <p:spPr>
           <a:xfrm>
-            <a:off x="356274" y="4934827"/>
-            <a:ext cx="8330526" cy="923330"/>
-          </a:xfrm>
-          <a:prstGeom prst="rect">
-            <a:avLst/>
-          </a:prstGeom>
-          <a:noFill/>
-        </p:spPr>
-        <p:txBody>
-          <a:bodyPr wrap="square" rtlCol="0">
-            <a:spAutoFit/>
-          </a:bodyPr>
-          <a:lstStyle/>
-          <a:p>
-            <a:r>
-              <a:rPr lang="en-US" b="1" dirty="0">
-                <a:solidFill>
-                  <a:srgbClr val="4F6228"/>
-                </a:solidFill>
-              </a:rPr>
-              <a:t>INFO</a:t>
-            </a:r>
-            <a:r>
-              <a:rPr lang="en-US" dirty="0"/>
-              <a:t>:</a:t>
-            </a:r>
-          </a:p>
-          <a:p>
-            <a:r>
-              <a:rPr lang="en-US" dirty="0"/>
-              <a:t>AC=1;AF=0.500;AN=2;BaseQRankSum=1.125;DP=39;FS=16.048;MLEAC=1;MLEAF=0.500;MQ=60.00;MQRankSum=0.000;QD=29.53;ReadPosRankSum=-0.506;SOR=1.023</a:t>
-            </a:r>
-          </a:p>
-        </p:txBody>
-      </p:sp>
-      <p:sp>
-        <p:nvSpPr>
-          <p:cNvPr id="6" name="TextBox 5"/>
-          <p:cNvSpPr txBox="1"/>
-          <p:nvPr/>
-        </p:nvSpPr>
-        <p:spPr>
-          <a:xfrm>
-            <a:off x="760698" y="5939926"/>
-            <a:ext cx="5299047" cy="369332"/>
-          </a:xfrm>
-          <a:prstGeom prst="rect">
-            <a:avLst/>
-          </a:prstGeom>
-          <a:noFill/>
-        </p:spPr>
-        <p:txBody>
-          <a:bodyPr wrap="none" rtlCol="0">
-            <a:spAutoFit/>
-          </a:bodyPr>
-          <a:lstStyle/>
-          <a:p>
-            <a:r>
-              <a:rPr lang="en-US" dirty="0"/>
-              <a:t>for example: QD: Variant Confidence/Quality by Depth</a:t>
-            </a:r>
-          </a:p>
-        </p:txBody>
-      </p:sp>
-      <p:sp>
-        <p:nvSpPr>
-          <p:cNvPr id="7" name="TextBox 6">
-            <a:extLst>
-              <a:ext uri="{FF2B5EF4-FFF2-40B4-BE49-F238E27FC236}">
-                <a16:creationId xmlns:a16="http://schemas.microsoft.com/office/drawing/2014/main" id="{9203DCEE-15A7-2C42-BC2F-BC1E0A2F872A}"/>
-              </a:ext>
-            </a:extLst>
-          </p:cNvPr>
-          <p:cNvSpPr txBox="1"/>
-          <p:nvPr/>
-        </p:nvSpPr>
-        <p:spPr>
-          <a:xfrm>
-            <a:off x="212360" y="1011728"/>
+            <a:off x="589194" y="1081584"/>
             <a:ext cx="3982806" cy="523220"/>
           </a:xfrm>
           <a:prstGeom prst="rect">
@@ -4880,7 +4773,7 @@
     </p:spTree>
     <p:extLst>
       <p:ext uri="{BB962C8B-B14F-4D97-AF65-F5344CB8AC3E}">
-        <p14:creationId xmlns:p14="http://schemas.microsoft.com/office/powerpoint/2010/main" val="1015194485"/>
+        <p14:creationId xmlns:p14="http://schemas.microsoft.com/office/powerpoint/2010/main" val="3734059720"/>
       </p:ext>
     </p:extLst>
   </p:cSld>
@@ -4926,7 +4819,7 @@
           <a:p>
             <a:r>
               <a:rPr lang="en-US" sz="3200" dirty="0"/>
-              <a:t>VCF to table</a:t>
+              <a:t>Variant filtering</a:t>
             </a:r>
           </a:p>
         </p:txBody>
@@ -4943,13 +4836,13 @@
         </p:nvSpPr>
         <p:spPr>
           <a:xfrm>
-            <a:off x="382001" y="2031049"/>
-            <a:ext cx="8521888" cy="2790231"/>
+            <a:off x="356275" y="1712343"/>
+            <a:ext cx="8575365" cy="3110696"/>
           </a:xfrm>
         </p:spPr>
         <p:txBody>
           <a:bodyPr>
-            <a:noAutofit/>
+            <a:normAutofit/>
           </a:bodyPr>
           <a:lstStyle/>
           <a:p>
@@ -4957,35 +4850,35 @@
               <a:buNone/>
             </a:pPr>
             <a:r>
-              <a:rPr lang="en-US" dirty="0">
+              <a:rPr lang="en-US" sz="2000" dirty="0">
                 <a:latin typeface="Courier"/>
                 <a:cs typeface="Courier"/>
               </a:rPr>
               <a:t>$</a:t>
             </a:r>
             <a:r>
-              <a:rPr lang="en-US" dirty="0" err="1">
+              <a:rPr lang="en-US" sz="2000" dirty="0" err="1">
                 <a:latin typeface="Courier"/>
                 <a:cs typeface="Courier"/>
               </a:rPr>
               <a:t>gatk</a:t>
             </a:r>
             <a:r>
-              <a:rPr lang="en-US" dirty="0">
+              <a:rPr lang="en-US" sz="2000" dirty="0">
                 <a:latin typeface="Courier"/>
                 <a:cs typeface="Courier"/>
               </a:rPr>
               <a:t> </a:t>
             </a:r>
             <a:r>
-              <a:rPr lang="en-US" dirty="0" err="1">
-                <a:latin typeface="Courier"/>
-                <a:cs typeface="Courier"/>
-              </a:rPr>
-              <a:t>VariantsToTable</a:t>
-            </a:r>
-            <a:r>
-              <a:rPr lang="en-US" dirty="0">
+              <a:rPr lang="en-US" sz="2000" dirty="0" err="1">
+                <a:latin typeface="Courier"/>
+                <a:cs typeface="Courier"/>
+              </a:rPr>
+              <a:t>SelectVariants</a:t>
+            </a:r>
+            <a:r>
+              <a:rPr lang="en-US" sz="2000" dirty="0">
                 <a:latin typeface="Courier"/>
                 <a:cs typeface="Courier"/>
               </a:rPr>
@@ -4997,88 +4890,157 @@
               <a:buNone/>
             </a:pPr>
             <a:r>
-              <a:rPr lang="en-US" dirty="0">
+              <a:rPr lang="en-US" sz="2000" dirty="0">
+                <a:latin typeface="Courier"/>
+                <a:cs typeface="Courier"/>
+              </a:rPr>
+              <a:t>  -R ../references/Ecoli_k12_MG1655.fasta \</a:t>
+            </a:r>
+          </a:p>
+          <a:p>
+            <a:pPr marL="0" indent="0">
+              <a:buNone/>
+            </a:pPr>
+            <a:r>
+              <a:rPr lang="en-US" sz="2000" dirty="0">
                 <a:latin typeface="Courier"/>
                 <a:cs typeface="Courier"/>
               </a:rPr>
               <a:t>  -V </a:t>
             </a:r>
             <a:r>
-              <a:rPr lang="en-US" dirty="0" err="1">
+              <a:rPr lang="en-US" sz="2000" dirty="0" err="1">
+                <a:latin typeface="Courier"/>
+                <a:cs typeface="Courier"/>
+              </a:rPr>
+              <a:t>variants.raw.vcf</a:t>
+            </a:r>
+            <a:r>
+              <a:rPr lang="en-US" sz="2000" dirty="0">
+                <a:latin typeface="Courier"/>
+                <a:cs typeface="Courier"/>
+              </a:rPr>
+              <a:t> \</a:t>
+            </a:r>
+          </a:p>
+          <a:p>
+            <a:pPr marL="0" indent="0">
+              <a:buNone/>
+            </a:pPr>
+            <a:r>
+              <a:rPr lang="en-US" sz="2000" dirty="0">
+                <a:latin typeface="Courier"/>
+                <a:cs typeface="Courier"/>
+              </a:rPr>
+              <a:t>  -select 'QD &gt;= </a:t>
+            </a:r>
+            <a:r>
+              <a:rPr lang="en-US" sz="2000" dirty="0">
+                <a:solidFill>
+                  <a:srgbClr val="FF0000"/>
+                </a:solidFill>
+                <a:latin typeface="Courier"/>
+                <a:cs typeface="Courier"/>
+              </a:rPr>
+              <a:t>10.0</a:t>
+            </a:r>
+            <a:r>
+              <a:rPr lang="en-US" sz="2000" dirty="0">
+                <a:latin typeface="Courier"/>
+                <a:cs typeface="Courier"/>
+              </a:rPr>
+              <a:t>' \</a:t>
+            </a:r>
+          </a:p>
+          <a:p>
+            <a:pPr marL="0" indent="0">
+              <a:buNone/>
+            </a:pPr>
+            <a:r>
+              <a:rPr lang="en-US" sz="2000" dirty="0">
+                <a:latin typeface="Courier"/>
+                <a:cs typeface="Courier"/>
+              </a:rPr>
+              <a:t>  -select 'DP &gt;= </a:t>
+            </a:r>
+            <a:r>
+              <a:rPr lang="en-US" sz="2000" dirty="0">
+                <a:solidFill>
+                  <a:srgbClr val="FF0000"/>
+                </a:solidFill>
+                <a:latin typeface="Courier"/>
+                <a:cs typeface="Courier"/>
+              </a:rPr>
+              <a:t>10.0</a:t>
+            </a:r>
+            <a:r>
+              <a:rPr lang="en-US" sz="2000" dirty="0">
+                <a:latin typeface="Courier"/>
+                <a:cs typeface="Courier"/>
+              </a:rPr>
+              <a:t>' \</a:t>
+            </a:r>
+          </a:p>
+          <a:p>
+            <a:pPr marL="0" indent="0">
+              <a:buNone/>
+            </a:pPr>
+            <a:r>
+              <a:rPr lang="en-US" sz="2000" dirty="0">
+                <a:latin typeface="Courier"/>
+                <a:cs typeface="Courier"/>
+              </a:rPr>
+              <a:t>  --restrict-alleles-to BIALLELIC \</a:t>
+            </a:r>
+          </a:p>
+          <a:p>
+            <a:pPr marL="0" indent="0">
+              <a:buNone/>
+            </a:pPr>
+            <a:r>
+              <a:rPr lang="en-US" sz="2000" dirty="0">
+                <a:latin typeface="Courier"/>
+                <a:cs typeface="Courier"/>
+              </a:rPr>
+              <a:t>  -select-type SNP \</a:t>
+            </a:r>
+          </a:p>
+          <a:p>
+            <a:pPr marL="0" indent="0">
+              <a:buNone/>
+            </a:pPr>
+            <a:r>
+              <a:rPr lang="en-US" sz="2000" dirty="0">
+                <a:latin typeface="Courier"/>
+                <a:cs typeface="Courier"/>
+              </a:rPr>
+              <a:t>  -O </a:t>
+            </a:r>
+            <a:r>
+              <a:rPr lang="en-US" sz="2000" dirty="0" err="1">
                 <a:latin typeface="Courier"/>
                 <a:cs typeface="Courier"/>
               </a:rPr>
               <a:t>selected.snp.vcf</a:t>
             </a:r>
             <a:r>
-              <a:rPr lang="en-US" dirty="0">
-                <a:latin typeface="Courier"/>
-                <a:cs typeface="Courier"/>
-              </a:rPr>
-              <a:t> \</a:t>
-            </a:r>
-          </a:p>
-          <a:p>
-            <a:pPr marL="0" indent="0">
-              <a:buNone/>
-            </a:pPr>
-            <a:r>
-              <a:rPr lang="en-US" dirty="0">
-                <a:latin typeface="Courier"/>
-                <a:cs typeface="Courier"/>
-              </a:rPr>
-              <a:t>  -R ../references/Ecoli_k12_MG1655.fasta \</a:t>
-            </a:r>
-          </a:p>
-          <a:p>
-            <a:pPr marL="0" indent="0">
-              <a:buNone/>
-            </a:pPr>
-            <a:r>
-              <a:rPr lang="en-US" dirty="0">
-                <a:latin typeface="Courier"/>
-                <a:cs typeface="Courier"/>
-              </a:rPr>
-              <a:t>  -F CHROM -F POS -F REF -F ALT \</a:t>
-            </a:r>
-          </a:p>
-          <a:p>
-            <a:pPr marL="0" indent="0">
-              <a:buNone/>
-            </a:pPr>
-            <a:r>
-              <a:rPr lang="en-US" dirty="0">
-                <a:latin typeface="Courier"/>
-                <a:cs typeface="Courier"/>
-              </a:rPr>
-              <a:t>  --genotype-fields "GT" \</a:t>
-            </a:r>
-          </a:p>
-          <a:p>
-            <a:pPr marL="0" indent="0">
-              <a:buNone/>
-            </a:pPr>
-            <a:r>
-              <a:rPr lang="en-US" dirty="0">
-                <a:latin typeface="Courier"/>
-                <a:cs typeface="Courier"/>
-              </a:rPr>
-              <a:t>  -O </a:t>
-            </a:r>
-            <a:r>
-              <a:rPr lang="en-US" dirty="0" err="1">
-                <a:latin typeface="Courier"/>
-                <a:cs typeface="Courier"/>
-              </a:rPr>
-              <a:t>selected.snp.txt</a:t>
-            </a:r>
-            <a:r>
-              <a:rPr lang="en-US" dirty="0">
-                <a:latin typeface="Courier"/>
-                <a:cs typeface="Courier"/>
-              </a:rPr>
-              <a:t> &amp;&gt;var2table.log</a:t>
-            </a:r>
+              <a:rPr lang="en-US" sz="2000" dirty="0">
+                <a:latin typeface="Courier"/>
+                <a:cs typeface="Courier"/>
+              </a:rPr>
+              <a:t> &amp;&gt;</a:t>
+            </a:r>
+            <a:r>
+              <a:rPr lang="en-US" sz="2000" dirty="0" err="1">
+                <a:latin typeface="Courier"/>
+                <a:cs typeface="Courier"/>
+              </a:rPr>
+              <a:t>selected.log</a:t>
+            </a:r>
+            <a:endParaRPr lang="en-US" sz="2000" dirty="0">
+              <a:latin typeface="Courier"/>
+              <a:cs typeface="Courier"/>
+            </a:endParaRPr>
           </a:p>
         </p:txBody>
       </p:sp>
@@ -5090,8 +5052,8 @@
         </p:nvSpPr>
         <p:spPr>
           <a:xfrm>
-            <a:off x="150143" y="5065173"/>
-            <a:ext cx="8828945" cy="1477328"/>
+            <a:off x="356274" y="4934827"/>
+            <a:ext cx="8330526" cy="923330"/>
           </a:xfrm>
           <a:prstGeom prst="rect">
             <a:avLst/>
@@ -5105,46 +5067,61 @@
           <a:lstStyle/>
           <a:p>
             <a:r>
+              <a:rPr lang="en-US" b="1" dirty="0">
+                <a:solidFill>
+                  <a:srgbClr val="4F6228"/>
+                </a:solidFill>
+              </a:rPr>
+              <a:t>INFO</a:t>
+            </a:r>
+            <a:r>
               <a:rPr lang="en-US" dirty="0"/>
-              <a:t># Input: VCF</a:t>
+              <a:t>:</a:t>
             </a:r>
           </a:p>
           <a:p>
             <a:r>
               <a:rPr lang="en-US" dirty="0"/>
-              <a:t># Output: a table format</a:t>
-            </a:r>
-          </a:p>
+              <a:t>AC=1;AF=0.500;AN=2;BaseQRankSum=1.125;DP=39;FS=16.048;MLEAC=1;MLEAF=0.500;MQ=60.00;MQRankSum=0.000;QD=29.53;ReadPosRankSum=-0.506;SOR=1.023</a:t>
+            </a:r>
+          </a:p>
+        </p:txBody>
+      </p:sp>
+      <p:sp>
+        <p:nvSpPr>
+          <p:cNvPr id="6" name="TextBox 5"/>
+          <p:cNvSpPr txBox="1"/>
+          <p:nvPr/>
+        </p:nvSpPr>
+        <p:spPr>
+          <a:xfrm>
+            <a:off x="760698" y="5939926"/>
+            <a:ext cx="5299047" cy="369332"/>
+          </a:xfrm>
+          <a:prstGeom prst="rect">
+            <a:avLst/>
+          </a:prstGeom>
+          <a:noFill/>
+        </p:spPr>
+        <p:txBody>
+          <a:bodyPr wrap="none" rtlCol="0">
+            <a:spAutoFit/>
+          </a:bodyPr>
+          <a:lstStyle/>
           <a:p>
             <a:r>
               <a:rPr lang="en-US" dirty="0"/>
-              <a:t># Fields: CHROM	POS	REF	ALT	AC	AF	DH10B.GT	MG1655.GT</a:t>
-            </a:r>
-          </a:p>
-          <a:p>
-            <a:endParaRPr lang="en-US" dirty="0">
-              <a:latin typeface="Courier"/>
-              <a:cs typeface="Courier"/>
-            </a:endParaRPr>
-          </a:p>
-          <a:p>
-            <a:r>
-              <a:rPr lang="en-US" dirty="0">
-                <a:latin typeface="Courier"/>
-                <a:cs typeface="Courier"/>
-              </a:rPr>
-              <a:t># AC(allele counts) AF(Allele frequency) </a:t>
-            </a:r>
-            <a:endParaRPr lang="en-US" dirty="0"/>
-          </a:p>
-        </p:txBody>
-      </p:sp>
-      <p:sp>
-        <p:nvSpPr>
-          <p:cNvPr id="6" name="TextBox 5">
+              <a:t>for example: QD: Variant Confidence/Quality by Depth</a:t>
+            </a:r>
+          </a:p>
+        </p:txBody>
+      </p:sp>
+      <p:sp>
+        <p:nvSpPr>
+          <p:cNvPr id="7" name="TextBox 6">
             <a:extLst>
               <a:ext uri="{FF2B5EF4-FFF2-40B4-BE49-F238E27FC236}">
-                <a16:creationId xmlns:a16="http://schemas.microsoft.com/office/drawing/2014/main" id="{248394FA-A2AA-6B46-99A1-E7A4DC44BB24}"/>
+                <a16:creationId xmlns:a16="http://schemas.microsoft.com/office/drawing/2014/main" id="{9203DCEE-15A7-2C42-BC2F-BC1E0A2F872A}"/>
               </a:ext>
             </a:extLst>
           </p:cNvPr>
@@ -5153,7 +5130,7 @@
         </p:nvSpPr>
         <p:spPr>
           <a:xfrm>
-            <a:off x="150143" y="1124273"/>
+            <a:off x="212360" y="1011728"/>
             <a:ext cx="3982806" cy="523220"/>
           </a:xfrm>
           <a:prstGeom prst="rect">
@@ -5181,7 +5158,7 @@
     </p:spTree>
     <p:extLst>
       <p:ext uri="{BB962C8B-B14F-4D97-AF65-F5344CB8AC3E}">
-        <p14:creationId xmlns:p14="http://schemas.microsoft.com/office/powerpoint/2010/main" val="3980359104"/>
+        <p14:creationId xmlns:p14="http://schemas.microsoft.com/office/powerpoint/2010/main" val="1015194485"/>
       </p:ext>
     </p:extLst>
   </p:cSld>
@@ -5218,12 +5195,7 @@
             <p:ph type="title"/>
           </p:nvPr>
         </p:nvSpPr>
-        <p:spPr>
-          <a:xfrm>
-            <a:off x="457200" y="274638"/>
-            <a:ext cx="8229600" cy="953271"/>
-          </a:xfrm>
-        </p:spPr>
+        <p:spPr/>
         <p:txBody>
           <a:bodyPr>
             <a:normAutofit/>
@@ -5232,7 +5204,7 @@
           <a:p>
             <a:r>
               <a:rPr lang="en-US" sz="3200" dirty="0"/>
-              <a:t>IGV installation</a:t>
+              <a:t>VCF to table</a:t>
             </a:r>
           </a:p>
         </p:txBody>
@@ -5249,68 +5221,155 @@
         </p:nvSpPr>
         <p:spPr>
           <a:xfrm>
-            <a:off x="557465" y="1543636"/>
-            <a:ext cx="8229600" cy="1272260"/>
+            <a:off x="382001" y="2031049"/>
+            <a:ext cx="8521888" cy="2790231"/>
           </a:xfrm>
         </p:spPr>
         <p:txBody>
-          <a:bodyPr/>
-          <a:lstStyle/>
-          <a:p>
-            <a:r>
-              <a:rPr lang="en-US" sz="2800" dirty="0"/>
-              <a:t>Download the software:</a:t>
-            </a:r>
-          </a:p>
-          <a:p>
-            <a:pPr marL="0" indent="0">
-              <a:buNone/>
-            </a:pPr>
-            <a:r>
-              <a:rPr lang="en-US" dirty="0"/>
-              <a:t>https://</a:t>
-            </a:r>
-            <a:r>
-              <a:rPr lang="en-US" dirty="0" err="1"/>
-              <a:t>software.broadinstitute.org</a:t>
-            </a:r>
-            <a:r>
-              <a:rPr lang="en-US" dirty="0"/>
-              <a:t>/software/</a:t>
-            </a:r>
-            <a:r>
-              <a:rPr lang="en-US" dirty="0" err="1"/>
-              <a:t>igv</a:t>
-            </a:r>
-            <a:r>
-              <a:rPr lang="en-US" dirty="0"/>
-              <a:t>/download</a:t>
-            </a:r>
-          </a:p>
-          <a:p>
-            <a:pPr marL="0" indent="0">
-              <a:buNone/>
-            </a:pPr>
-            <a:endParaRPr lang="en-US" dirty="0"/>
-          </a:p>
-          <a:p>
-            <a:pPr marL="0" indent="0">
-              <a:buNone/>
-            </a:pPr>
-            <a:endParaRPr lang="en-US" dirty="0"/>
-          </a:p>
-        </p:txBody>
-      </p:sp>
-      <p:sp>
-        <p:nvSpPr>
-          <p:cNvPr id="4" name="TextBox 3"/>
+          <a:bodyPr>
+            <a:noAutofit/>
+          </a:bodyPr>
+          <a:lstStyle/>
+          <a:p>
+            <a:pPr marL="0" indent="0">
+              <a:buNone/>
+            </a:pPr>
+            <a:r>
+              <a:rPr lang="en-US" dirty="0">
+                <a:latin typeface="Courier"/>
+                <a:cs typeface="Courier"/>
+              </a:rPr>
+              <a:t>$</a:t>
+            </a:r>
+            <a:r>
+              <a:rPr lang="en-US" dirty="0" err="1">
+                <a:latin typeface="Courier"/>
+                <a:cs typeface="Courier"/>
+              </a:rPr>
+              <a:t>gatk</a:t>
+            </a:r>
+            <a:r>
+              <a:rPr lang="en-US" dirty="0">
+                <a:latin typeface="Courier"/>
+                <a:cs typeface="Courier"/>
+              </a:rPr>
+              <a:t> </a:t>
+            </a:r>
+            <a:r>
+              <a:rPr lang="en-US" dirty="0" err="1">
+                <a:latin typeface="Courier"/>
+                <a:cs typeface="Courier"/>
+              </a:rPr>
+              <a:t>VariantsToTable</a:t>
+            </a:r>
+            <a:r>
+              <a:rPr lang="en-US" dirty="0">
+                <a:latin typeface="Courier"/>
+                <a:cs typeface="Courier"/>
+              </a:rPr>
+              <a:t> \</a:t>
+            </a:r>
+          </a:p>
+          <a:p>
+            <a:pPr marL="0" indent="0">
+              <a:buNone/>
+            </a:pPr>
+            <a:r>
+              <a:rPr lang="en-US" dirty="0">
+                <a:latin typeface="Courier"/>
+                <a:cs typeface="Courier"/>
+              </a:rPr>
+              <a:t>  -V </a:t>
+            </a:r>
+            <a:r>
+              <a:rPr lang="en-US" dirty="0" err="1">
+                <a:latin typeface="Courier"/>
+                <a:cs typeface="Courier"/>
+              </a:rPr>
+              <a:t>selected.snp.vcf</a:t>
+            </a:r>
+            <a:r>
+              <a:rPr lang="en-US" dirty="0">
+                <a:latin typeface="Courier"/>
+                <a:cs typeface="Courier"/>
+              </a:rPr>
+              <a:t> \</a:t>
+            </a:r>
+          </a:p>
+          <a:p>
+            <a:pPr marL="0" indent="0">
+              <a:buNone/>
+            </a:pPr>
+            <a:r>
+              <a:rPr lang="en-US" dirty="0">
+                <a:latin typeface="Courier"/>
+                <a:cs typeface="Courier"/>
+              </a:rPr>
+              <a:t>  -R ../references/Ecoli_k12_MG1655.fasta \</a:t>
+            </a:r>
+          </a:p>
+          <a:p>
+            <a:pPr marL="0" indent="0">
+              <a:buNone/>
+            </a:pPr>
+            <a:r>
+              <a:rPr lang="en-US" dirty="0">
+                <a:latin typeface="Courier"/>
+                <a:cs typeface="Courier"/>
+              </a:rPr>
+              <a:t>  -F CHROM -F POS -F REF -F ALT \</a:t>
+            </a:r>
+          </a:p>
+          <a:p>
+            <a:pPr marL="0" indent="0">
+              <a:buNone/>
+            </a:pPr>
+            <a:r>
+              <a:rPr lang="en-US" dirty="0">
+                <a:latin typeface="Courier"/>
+                <a:cs typeface="Courier"/>
+              </a:rPr>
+              <a:t>  --genotype-fields "GT" \</a:t>
+            </a:r>
+          </a:p>
+          <a:p>
+            <a:pPr marL="0" indent="0">
+              <a:buNone/>
+            </a:pPr>
+            <a:r>
+              <a:rPr lang="en-US" dirty="0">
+                <a:latin typeface="Courier"/>
+                <a:cs typeface="Courier"/>
+              </a:rPr>
+              <a:t>  -O </a:t>
+            </a:r>
+            <a:r>
+              <a:rPr lang="en-US" dirty="0" err="1">
+                <a:latin typeface="Courier"/>
+                <a:cs typeface="Courier"/>
+              </a:rPr>
+              <a:t>selected.snp.txt</a:t>
+            </a:r>
+            <a:r>
+              <a:rPr lang="en-US" dirty="0">
+                <a:latin typeface="Courier"/>
+                <a:cs typeface="Courier"/>
+              </a:rPr>
+              <a:t> &amp;&gt;var2table.log</a:t>
+            </a:r>
+          </a:p>
+        </p:txBody>
+      </p:sp>
+      <p:sp>
+        <p:nvSpPr>
+          <p:cNvPr id="5" name="TextBox 4"/>
           <p:cNvSpPr txBox="1"/>
           <p:nvPr/>
         </p:nvSpPr>
         <p:spPr>
           <a:xfrm>
-            <a:off x="557465" y="2999722"/>
-            <a:ext cx="8229600" cy="2126095"/>
+            <a:off x="150143" y="5065173"/>
+            <a:ext cx="8828945" cy="923330"/>
           </a:xfrm>
           <a:prstGeom prst="rect">
             <a:avLst/>
@@ -5323,69 +5382,60 @@
           </a:bodyPr>
           <a:lstStyle/>
           <a:p>
-            <a:pPr marL="342900" indent="-342900">
-              <a:lnSpc>
-                <a:spcPct val="120000"/>
-              </a:lnSpc>
-              <a:buFont typeface="Arial"/>
-              <a:buChar char="•"/>
-            </a:pPr>
-            <a:r>
-              <a:rPr lang="en-US" sz="2800" dirty="0" err="1"/>
-              <a:t>Cyberduck</a:t>
-            </a:r>
-            <a:r>
-              <a:rPr lang="en-US" sz="2800" dirty="0"/>
-              <a:t> or other tools for data transferring</a:t>
-            </a:r>
-          </a:p>
-          <a:p>
-            <a:pPr>
-              <a:lnSpc>
-                <a:spcPct val="120000"/>
-              </a:lnSpc>
-            </a:pPr>
-            <a:r>
-              <a:rPr lang="en-US" sz="2800" dirty="0"/>
-              <a:t>- reference genome</a:t>
-            </a:r>
-          </a:p>
-          <a:p>
-            <a:pPr>
-              <a:lnSpc>
-                <a:spcPct val="120000"/>
-              </a:lnSpc>
-            </a:pPr>
-            <a:r>
-              <a:rPr lang="en-US" sz="2800" dirty="0"/>
-              <a:t>- bam (</a:t>
-            </a:r>
-            <a:r>
-              <a:rPr lang="en-US" sz="2800" dirty="0" err="1"/>
-              <a:t>bam.bai</a:t>
-            </a:r>
-            <a:r>
-              <a:rPr lang="en-US" sz="2800" dirty="0"/>
-              <a:t>) files</a:t>
-            </a:r>
-          </a:p>
-          <a:p>
-            <a:pPr>
-              <a:lnSpc>
-                <a:spcPct val="120000"/>
-              </a:lnSpc>
-            </a:pPr>
-            <a:r>
-              <a:rPr lang="en-US" sz="2800" dirty="0"/>
-              <a:t>- </a:t>
-            </a:r>
-            <a:r>
-              <a:rPr lang="en-US" sz="2800" dirty="0" err="1"/>
-              <a:t>vcf</a:t>
-            </a:r>
-            <a:r>
-              <a:rPr lang="en-US" sz="2800" dirty="0"/>
-              <a:t> files</a:t>
+            <a:r>
+              <a:rPr lang="en-US" dirty="0"/>
+              <a:t># Input: VCF</a:t>
+            </a:r>
+          </a:p>
+          <a:p>
+            <a:r>
+              <a:rPr lang="en-US" dirty="0"/>
+              <a:t># Output: a table format</a:t>
+            </a:r>
+          </a:p>
+          <a:p>
+            <a:r>
+              <a:rPr lang="en-US" dirty="0"/>
+              <a:t># Fields: CHROM	POS	REF	ALT	DH10B.GT	MG1655.GT</a:t>
+            </a:r>
+          </a:p>
+        </p:txBody>
+      </p:sp>
+      <p:sp>
+        <p:nvSpPr>
+          <p:cNvPr id="6" name="TextBox 5">
+            <a:extLst>
+              <a:ext uri="{FF2B5EF4-FFF2-40B4-BE49-F238E27FC236}">
+                <a16:creationId xmlns:a16="http://schemas.microsoft.com/office/drawing/2014/main" id="{248394FA-A2AA-6B46-99A1-E7A4DC44BB24}"/>
+              </a:ext>
+            </a:extLst>
+          </p:cNvPr>
+          <p:cNvSpPr txBox="1"/>
+          <p:nvPr/>
+        </p:nvSpPr>
+        <p:spPr>
+          <a:xfrm>
+            <a:off x="150143" y="1124273"/>
+            <a:ext cx="3982806" cy="523220"/>
+          </a:xfrm>
+          <a:prstGeom prst="rect">
+            <a:avLst/>
+          </a:prstGeom>
+          <a:noFill/>
+        </p:spPr>
+        <p:txBody>
+          <a:bodyPr wrap="none" rtlCol="0">
+            <a:spAutoFit/>
+          </a:bodyPr>
+          <a:lstStyle/>
+          <a:p>
+            <a:r>
+              <a:rPr lang="en-US" sz="2800" dirty="0">
+                <a:solidFill>
+                  <a:srgbClr val="FF0000"/>
+                </a:solidFill>
+              </a:rPr>
+              <a:t>In the directory of "GATK"</a:t>
             </a:r>
           </a:p>
         </p:txBody>
@@ -5393,7 +5443,7 @@
     </p:spTree>
     <p:extLst>
       <p:ext uri="{BB962C8B-B14F-4D97-AF65-F5344CB8AC3E}">
-        <p14:creationId xmlns:p14="http://schemas.microsoft.com/office/powerpoint/2010/main" val="2402435673"/>
+        <p14:creationId xmlns:p14="http://schemas.microsoft.com/office/powerpoint/2010/main" val="3980359104"/>
       </p:ext>
     </p:extLst>
   </p:cSld>
@@ -5432,6 +5482,218 @@
         </p:nvSpPr>
         <p:spPr>
           <a:xfrm>
+            <a:off x="457200" y="274638"/>
+            <a:ext cx="8229600" cy="953271"/>
+          </a:xfrm>
+        </p:spPr>
+        <p:txBody>
+          <a:bodyPr>
+            <a:normAutofit/>
+          </a:bodyPr>
+          <a:lstStyle/>
+          <a:p>
+            <a:r>
+              <a:rPr lang="en-US" sz="3200" dirty="0"/>
+              <a:t>IGV installation</a:t>
+            </a:r>
+          </a:p>
+        </p:txBody>
+      </p:sp>
+      <p:sp>
+        <p:nvSpPr>
+          <p:cNvPr id="3" name="Content Placeholder 2"/>
+          <p:cNvSpPr>
+            <a:spLocks noGrp="1"/>
+          </p:cNvSpPr>
+          <p:nvPr>
+            <p:ph idx="1"/>
+          </p:nvPr>
+        </p:nvSpPr>
+        <p:spPr>
+          <a:xfrm>
+            <a:off x="557465" y="1543636"/>
+            <a:ext cx="8229600" cy="1272260"/>
+          </a:xfrm>
+        </p:spPr>
+        <p:txBody>
+          <a:bodyPr/>
+          <a:lstStyle/>
+          <a:p>
+            <a:r>
+              <a:rPr lang="en-US" sz="2800" dirty="0"/>
+              <a:t>Download the software:</a:t>
+            </a:r>
+          </a:p>
+          <a:p>
+            <a:pPr marL="0" indent="0">
+              <a:buNone/>
+            </a:pPr>
+            <a:r>
+              <a:rPr lang="en-US" dirty="0"/>
+              <a:t>https://</a:t>
+            </a:r>
+            <a:r>
+              <a:rPr lang="en-US" dirty="0" err="1"/>
+              <a:t>software.broadinstitute.org</a:t>
+            </a:r>
+            <a:r>
+              <a:rPr lang="en-US" dirty="0"/>
+              <a:t>/software/</a:t>
+            </a:r>
+            <a:r>
+              <a:rPr lang="en-US" dirty="0" err="1"/>
+              <a:t>igv</a:t>
+            </a:r>
+            <a:r>
+              <a:rPr lang="en-US" dirty="0"/>
+              <a:t>/download</a:t>
+            </a:r>
+          </a:p>
+          <a:p>
+            <a:pPr marL="0" indent="0">
+              <a:buNone/>
+            </a:pPr>
+            <a:endParaRPr lang="en-US" dirty="0"/>
+          </a:p>
+          <a:p>
+            <a:pPr marL="0" indent="0">
+              <a:buNone/>
+            </a:pPr>
+            <a:endParaRPr lang="en-US" dirty="0"/>
+          </a:p>
+        </p:txBody>
+      </p:sp>
+      <p:sp>
+        <p:nvSpPr>
+          <p:cNvPr id="4" name="TextBox 3"/>
+          <p:cNvSpPr txBox="1"/>
+          <p:nvPr/>
+        </p:nvSpPr>
+        <p:spPr>
+          <a:xfrm>
+            <a:off x="557465" y="2999722"/>
+            <a:ext cx="8229600" cy="2126095"/>
+          </a:xfrm>
+          <a:prstGeom prst="rect">
+            <a:avLst/>
+          </a:prstGeom>
+          <a:noFill/>
+        </p:spPr>
+        <p:txBody>
+          <a:bodyPr wrap="square" rtlCol="0">
+            <a:spAutoFit/>
+          </a:bodyPr>
+          <a:lstStyle/>
+          <a:p>
+            <a:pPr marL="342900" indent="-342900">
+              <a:lnSpc>
+                <a:spcPct val="120000"/>
+              </a:lnSpc>
+              <a:buFont typeface="Arial"/>
+              <a:buChar char="•"/>
+            </a:pPr>
+            <a:r>
+              <a:rPr lang="en-US" sz="2800" dirty="0" err="1"/>
+              <a:t>Cyberduck</a:t>
+            </a:r>
+            <a:r>
+              <a:rPr lang="en-US" sz="2800" dirty="0"/>
+              <a:t> or other tools for data transferring</a:t>
+            </a:r>
+          </a:p>
+          <a:p>
+            <a:pPr>
+              <a:lnSpc>
+                <a:spcPct val="120000"/>
+              </a:lnSpc>
+            </a:pPr>
+            <a:r>
+              <a:rPr lang="en-US" sz="2800" dirty="0"/>
+              <a:t>- reference genome</a:t>
+            </a:r>
+          </a:p>
+          <a:p>
+            <a:pPr>
+              <a:lnSpc>
+                <a:spcPct val="120000"/>
+              </a:lnSpc>
+            </a:pPr>
+            <a:r>
+              <a:rPr lang="en-US" sz="2800" dirty="0"/>
+              <a:t>- bam (</a:t>
+            </a:r>
+            <a:r>
+              <a:rPr lang="en-US" sz="2800" dirty="0" err="1"/>
+              <a:t>bam.bai</a:t>
+            </a:r>
+            <a:r>
+              <a:rPr lang="en-US" sz="2800" dirty="0"/>
+              <a:t>) files</a:t>
+            </a:r>
+          </a:p>
+          <a:p>
+            <a:pPr>
+              <a:lnSpc>
+                <a:spcPct val="120000"/>
+              </a:lnSpc>
+            </a:pPr>
+            <a:r>
+              <a:rPr lang="en-US" sz="2800" dirty="0"/>
+              <a:t>- </a:t>
+            </a:r>
+            <a:r>
+              <a:rPr lang="en-US" sz="2800" dirty="0" err="1"/>
+              <a:t>vcf</a:t>
+            </a:r>
+            <a:r>
+              <a:rPr lang="en-US" sz="2800" dirty="0"/>
+              <a:t> files</a:t>
+            </a:r>
+          </a:p>
+        </p:txBody>
+      </p:sp>
+    </p:spTree>
+    <p:extLst>
+      <p:ext uri="{BB962C8B-B14F-4D97-AF65-F5344CB8AC3E}">
+        <p14:creationId xmlns:p14="http://schemas.microsoft.com/office/powerpoint/2010/main" val="2402435673"/>
+      </p:ext>
+    </p:extLst>
+  </p:cSld>
+  <p:clrMapOvr>
+    <a:masterClrMapping/>
+  </p:clrMapOvr>
+</p:sld>
+</file>
+
+<file path=ppt/slides/slide15.xml><?xml version="1.0" encoding="utf-8"?>
+<p:sld xmlns:a="http://schemas.openxmlformats.org/drawingml/2006/main" xmlns:r="http://schemas.openxmlformats.org/officeDocument/2006/relationships" xmlns:p="http://schemas.openxmlformats.org/presentationml/2006/main">
+  <p:cSld>
+    <p:spTree>
+      <p:nvGrpSpPr>
+        <p:cNvPr id="1" name=""/>
+        <p:cNvGrpSpPr/>
+        <p:nvPr/>
+      </p:nvGrpSpPr>
+      <p:grpSpPr>
+        <a:xfrm>
+          <a:off x="0" y="0"/>
+          <a:ext cx="0" cy="0"/>
+          <a:chOff x="0" y="0"/>
+          <a:chExt cx="0" cy="0"/>
+        </a:xfrm>
+      </p:grpSpPr>
+      <p:sp>
+        <p:nvSpPr>
+          <p:cNvPr id="2" name="Title 1"/>
+          <p:cNvSpPr>
+            <a:spLocks noGrp="1"/>
+          </p:cNvSpPr>
+          <p:nvPr>
+            <p:ph type="title"/>
+          </p:nvPr>
+        </p:nvSpPr>
+        <p:spPr>
+          <a:xfrm>
             <a:off x="457200" y="279829"/>
             <a:ext cx="8229600" cy="772987"/>
           </a:xfrm>
@@ -5444,7 +5706,130 @@
           <a:p>
             <a:r>
               <a:rPr lang="en-US" sz="3200" dirty="0"/>
-              <a:t>IGV to check SNPs</a:t>
+              <a:t>IGV to check a SNP site</a:t>
+            </a:r>
+          </a:p>
+        </p:txBody>
+      </p:sp>
+      <p:sp>
+        <p:nvSpPr>
+          <p:cNvPr id="5" name="TextBox 4">
+            <a:extLst>
+              <a:ext uri="{FF2B5EF4-FFF2-40B4-BE49-F238E27FC236}">
+                <a16:creationId xmlns:a16="http://schemas.microsoft.com/office/drawing/2014/main" id="{2123ACF8-56D6-5E4E-9BF6-CD4941A01AE0}"/>
+              </a:ext>
+            </a:extLst>
+          </p:cNvPr>
+          <p:cNvSpPr txBox="1"/>
+          <p:nvPr/>
+        </p:nvSpPr>
+        <p:spPr>
+          <a:xfrm>
+            <a:off x="300445" y="897401"/>
+            <a:ext cx="2329484" cy="461665"/>
+          </a:xfrm>
+          <a:prstGeom prst="rect">
+            <a:avLst/>
+          </a:prstGeom>
+          <a:noFill/>
+        </p:spPr>
+        <p:txBody>
+          <a:bodyPr wrap="none" rtlCol="0">
+            <a:spAutoFit/>
+          </a:bodyPr>
+          <a:lstStyle/>
+          <a:p>
+            <a:r>
+              <a:rPr lang="en-US" sz="2400" dirty="0"/>
+              <a:t>U00096:1357202</a:t>
+            </a:r>
+          </a:p>
+        </p:txBody>
+      </p:sp>
+      <p:pic>
+        <p:nvPicPr>
+          <p:cNvPr id="9" name="Content Placeholder 8" descr="Graphical user interface, application&#10;&#10;Description automatically generated">
+            <a:extLst>
+              <a:ext uri="{FF2B5EF4-FFF2-40B4-BE49-F238E27FC236}">
+                <a16:creationId xmlns:a16="http://schemas.microsoft.com/office/drawing/2014/main" id="{9D177503-4581-504D-988C-CDBD96BF2E4D}"/>
+              </a:ext>
+            </a:extLst>
+          </p:cNvPr>
+          <p:cNvPicPr>
+            <a:picLocks noGrp="1" noChangeAspect="1"/>
+          </p:cNvPicPr>
+          <p:nvPr>
+            <p:ph idx="1"/>
+          </p:nvPr>
+        </p:nvPicPr>
+        <p:blipFill>
+          <a:blip r:embed="rId2"/>
+          <a:stretch>
+            <a:fillRect/>
+          </a:stretch>
+        </p:blipFill>
+        <p:spPr>
+          <a:xfrm>
+            <a:off x="606460" y="1384300"/>
+            <a:ext cx="7931080" cy="4741863"/>
+          </a:xfrm>
+        </p:spPr>
+      </p:pic>
+    </p:spTree>
+    <p:extLst>
+      <p:ext uri="{BB962C8B-B14F-4D97-AF65-F5344CB8AC3E}">
+        <p14:creationId xmlns:p14="http://schemas.microsoft.com/office/powerpoint/2010/main" val="676048629"/>
+      </p:ext>
+    </p:extLst>
+  </p:cSld>
+  <p:clrMapOvr>
+    <a:masterClrMapping/>
+  </p:clrMapOvr>
+</p:sld>
+</file>
+
+<file path=ppt/slides/slide16.xml><?xml version="1.0" encoding="utf-8"?>
+<p:sld xmlns:a="http://schemas.openxmlformats.org/drawingml/2006/main" xmlns:r="http://schemas.openxmlformats.org/officeDocument/2006/relationships" xmlns:p="http://schemas.openxmlformats.org/presentationml/2006/main">
+  <p:cSld>
+    <p:spTree>
+      <p:nvGrpSpPr>
+        <p:cNvPr id="1" name=""/>
+        <p:cNvGrpSpPr/>
+        <p:nvPr/>
+      </p:nvGrpSpPr>
+      <p:grpSpPr>
+        <a:xfrm>
+          <a:off x="0" y="0"/>
+          <a:ext cx="0" cy="0"/>
+          <a:chOff x="0" y="0"/>
+          <a:chExt cx="0" cy="0"/>
+        </a:xfrm>
+      </p:grpSpPr>
+      <p:sp>
+        <p:nvSpPr>
+          <p:cNvPr id="2" name="Title 1"/>
+          <p:cNvSpPr>
+            <a:spLocks noGrp="1"/>
+          </p:cNvSpPr>
+          <p:nvPr>
+            <p:ph type="title"/>
+          </p:nvPr>
+        </p:nvSpPr>
+        <p:spPr>
+          <a:xfrm>
+            <a:off x="457200" y="279829"/>
+            <a:ext cx="8229600" cy="772987"/>
+          </a:xfrm>
+        </p:spPr>
+        <p:txBody>
+          <a:bodyPr>
+            <a:normAutofit/>
+          </a:bodyPr>
+          <a:lstStyle/>
+          <a:p>
+            <a:r>
+              <a:rPr lang="en-US" sz="3200" dirty="0"/>
+              <a:t>IGV to check alignment at two regions</a:t>
             </a:r>
           </a:p>
         </p:txBody>
@@ -5488,7 +5873,7 @@
         <p:spPr>
           <a:xfrm>
             <a:off x="313508" y="1216157"/>
-            <a:ext cx="5902728" cy="369332"/>
+            <a:ext cx="7781746" cy="461665"/>
           </a:xfrm>
           <a:prstGeom prst="rect">
             <a:avLst/>
@@ -5502,51 +5887,16 @@
           <a:lstStyle/>
           <a:p>
             <a:r>
-              <a:rPr lang="en-US" dirty="0"/>
+              <a:rPr lang="en-US" sz="2400" dirty="0"/>
               <a:t>U00096:xxxxxx U00096: </a:t>
             </a:r>
             <a:r>
-              <a:rPr lang="en-US" dirty="0" err="1"/>
+              <a:rPr lang="en-US" sz="2400" dirty="0" err="1"/>
               <a:t>xxxxxxx</a:t>
             </a:r>
             <a:r>
-              <a:rPr lang="en-US" dirty="0"/>
+              <a:rPr lang="en-US" sz="2400" dirty="0"/>
               <a:t> (separated by a blank space)</a:t>
-            </a:r>
-          </a:p>
-        </p:txBody>
-      </p:sp>
-      <p:sp>
-        <p:nvSpPr>
-          <p:cNvPr id="5" name="TextBox 4">
-            <a:extLst>
-              <a:ext uri="{FF2B5EF4-FFF2-40B4-BE49-F238E27FC236}">
-                <a16:creationId xmlns:a16="http://schemas.microsoft.com/office/drawing/2014/main" id="{2123ACF8-56D6-5E4E-9BF6-CD4941A01AE0}"/>
-              </a:ext>
-            </a:extLst>
-          </p:cNvPr>
-          <p:cNvSpPr txBox="1"/>
-          <p:nvPr/>
-        </p:nvSpPr>
-        <p:spPr>
-          <a:xfrm>
-            <a:off x="313508" y="756246"/>
-            <a:ext cx="1798890" cy="369332"/>
-          </a:xfrm>
-          <a:prstGeom prst="rect">
-            <a:avLst/>
-          </a:prstGeom>
-          <a:noFill/>
-        </p:spPr>
-        <p:txBody>
-          <a:bodyPr wrap="none" rtlCol="0">
-            <a:spAutoFit/>
-          </a:bodyPr>
-          <a:lstStyle/>
-          <a:p>
-            <a:r>
-              <a:rPr lang="en-US" dirty="0"/>
-              <a:t>U00096:1357202</a:t>
             </a:r>
           </a:p>
         </p:txBody>
@@ -5554,7 +5904,7 @@
     </p:spTree>
     <p:extLst>
       <p:ext uri="{BB962C8B-B14F-4D97-AF65-F5344CB8AC3E}">
-        <p14:creationId xmlns:p14="http://schemas.microsoft.com/office/powerpoint/2010/main" val="676048629"/>
+        <p14:creationId xmlns:p14="http://schemas.microsoft.com/office/powerpoint/2010/main" val="1236754915"/>
       </p:ext>
     </p:extLst>
   </p:cSld>
@@ -5705,7 +6055,13 @@
       </p:grpSpPr>
       <p:sp>
         <p:nvSpPr>
-          <p:cNvPr id="2" name="Title 1"/>
+          <p:cNvPr id="2" name="Title 1">
+            <a:extLst>
+              <a:ext uri="{FF2B5EF4-FFF2-40B4-BE49-F238E27FC236}">
+                <a16:creationId xmlns:a16="http://schemas.microsoft.com/office/drawing/2014/main" id="{CF5FD484-C2E6-B64F-A365-A2ADEC70EBB5}"/>
+              </a:ext>
+            </a:extLst>
+          </p:cNvPr>
           <p:cNvSpPr>
             <a:spLocks noGrp="1"/>
           </p:cNvSpPr>
@@ -5721,15 +6077,21 @@
           <a:lstStyle/>
           <a:p>
             <a:r>
-              <a:rPr lang="en-US" sz="3200" dirty="0"/>
-              <a:t>directories</a:t>
-            </a:r>
-          </a:p>
-        </p:txBody>
-      </p:sp>
-      <p:sp>
-        <p:nvSpPr>
-          <p:cNvPr id="3" name="Content Placeholder 2"/>
+              <a:rPr lang="en-US" sz="3600" dirty="0"/>
+              <a:t>GATK pipeline</a:t>
+            </a:r>
+          </a:p>
+        </p:txBody>
+      </p:sp>
+      <p:sp>
+        <p:nvSpPr>
+          <p:cNvPr id="3" name="Content Placeholder 2">
+            <a:extLst>
+              <a:ext uri="{FF2B5EF4-FFF2-40B4-BE49-F238E27FC236}">
+                <a16:creationId xmlns:a16="http://schemas.microsoft.com/office/drawing/2014/main" id="{77DC539B-0662-A349-96C6-7FCAD4B5D3A9}"/>
+              </a:ext>
+            </a:extLst>
+          </p:cNvPr>
           <p:cNvSpPr>
             <a:spLocks noGrp="1"/>
           </p:cNvSpPr>
@@ -5739,242 +6101,36 @@
         </p:nvSpPr>
         <p:spPr>
           <a:xfrm>
-            <a:off x="965398" y="1254854"/>
-            <a:ext cx="7213204" cy="5132565"/>
+            <a:off x="1097280" y="2155584"/>
+            <a:ext cx="7236823" cy="2050655"/>
           </a:xfrm>
         </p:spPr>
         <p:txBody>
           <a:bodyPr>
-            <a:noAutofit/>
+            <a:normAutofit fontScale="92500" lnSpcReduction="20000"/>
           </a:bodyPr>
           <a:lstStyle/>
           <a:p>
-            <a:pPr marL="0" indent="0">
-              <a:lnSpc>
-                <a:spcPct val="120000"/>
-              </a:lnSpc>
-              <a:buNone/>
-            </a:pPr>
-            <a:r>
-              <a:rPr lang="fr-FR" sz="2800" dirty="0"/>
-              <a:t># </a:t>
-            </a:r>
-            <a:r>
-              <a:rPr lang="fr-FR" sz="2800" dirty="0" err="1"/>
-              <a:t>create</a:t>
-            </a:r>
-            <a:r>
-              <a:rPr lang="fr-FR" sz="2800" dirty="0"/>
-              <a:t> a new directory for </a:t>
-            </a:r>
-            <a:r>
-              <a:rPr lang="fr-FR" sz="2800" dirty="0" err="1"/>
-              <a:t>today's</a:t>
-            </a:r>
-            <a:r>
-              <a:rPr lang="fr-FR" sz="2800" dirty="0"/>
-              <a:t> practice</a:t>
-            </a:r>
-          </a:p>
-          <a:p>
-            <a:pPr marL="0" indent="0">
-              <a:lnSpc>
-                <a:spcPct val="120000"/>
-              </a:lnSpc>
-              <a:buNone/>
-            </a:pPr>
-            <a:r>
-              <a:rPr lang="fr-FR" sz="2800" dirty="0" err="1">
-                <a:latin typeface="Courier"/>
-                <a:cs typeface="Courier"/>
-              </a:rPr>
-              <a:t>mkdir</a:t>
-            </a:r>
-            <a:r>
-              <a:rPr lang="fr-FR" sz="2800" dirty="0">
-                <a:latin typeface="Courier"/>
-                <a:cs typeface="Courier"/>
-              </a:rPr>
-              <a:t> </a:t>
-            </a:r>
-            <a:r>
-              <a:rPr lang="en-US" sz="2800" dirty="0">
-                <a:latin typeface="Courier"/>
-                <a:cs typeface="Courier"/>
-              </a:rPr>
-              <a:t>l</a:t>
-            </a:r>
-            <a:r>
-              <a:rPr lang="en-US" sz="2800" dirty="0"/>
-              <a:t>ab06_variants</a:t>
-            </a:r>
-          </a:p>
-          <a:p>
-            <a:pPr marL="0" indent="0">
-              <a:lnSpc>
-                <a:spcPct val="120000"/>
-              </a:lnSpc>
-              <a:buNone/>
-            </a:pPr>
-            <a:r>
-              <a:rPr lang="fr-FR" sz="2800" dirty="0">
-                <a:latin typeface="Courier"/>
-                <a:cs typeface="Courier"/>
-              </a:rPr>
-              <a:t>cd </a:t>
-            </a:r>
-            <a:r>
-              <a:rPr lang="en-US" sz="2800" dirty="0">
-                <a:latin typeface="Courier"/>
-                <a:cs typeface="Courier"/>
-              </a:rPr>
-              <a:t>l</a:t>
-            </a:r>
-            <a:r>
-              <a:rPr lang="en-US" sz="2800" dirty="0"/>
-              <a:t>ab06_variants</a:t>
-            </a:r>
-            <a:endParaRPr lang="fr-FR" sz="2800" dirty="0">
-              <a:latin typeface="Courier"/>
-              <a:cs typeface="Courier"/>
-            </a:endParaRPr>
-          </a:p>
-          <a:p>
-            <a:pPr marL="0" indent="0">
-              <a:lnSpc>
-                <a:spcPct val="120000"/>
-              </a:lnSpc>
-              <a:buNone/>
-            </a:pPr>
-            <a:r>
-              <a:rPr lang="en-US" sz="2800" dirty="0" err="1">
-                <a:latin typeface="Courier"/>
-                <a:cs typeface="Courier"/>
-              </a:rPr>
-              <a:t>mkdir</a:t>
-            </a:r>
-            <a:r>
-              <a:rPr lang="en-US" sz="2800" dirty="0">
-                <a:latin typeface="Courier"/>
-                <a:cs typeface="Courier"/>
-              </a:rPr>
-              <a:t> GATK</a:t>
-            </a:r>
-          </a:p>
-          <a:p>
-            <a:pPr marL="0" indent="0">
-              <a:lnSpc>
-                <a:spcPct val="120000"/>
-              </a:lnSpc>
-              <a:buNone/>
-            </a:pPr>
-            <a:r>
-              <a:rPr lang="en-US" sz="2800" dirty="0" err="1">
-                <a:latin typeface="Courier"/>
-                <a:cs typeface="Courier"/>
-              </a:rPr>
-              <a:t>mkdir</a:t>
-            </a:r>
-            <a:r>
-              <a:rPr lang="en-US" sz="2800" dirty="0">
-                <a:latin typeface="Courier"/>
-                <a:cs typeface="Courier"/>
-              </a:rPr>
-              <a:t> references</a:t>
-            </a:r>
-          </a:p>
-          <a:p>
-            <a:pPr marL="0" indent="0">
-              <a:lnSpc>
-                <a:spcPct val="120000"/>
-              </a:lnSpc>
-              <a:buNone/>
-            </a:pPr>
-            <a:r>
-              <a:rPr lang="en-US" sz="2800" dirty="0" err="1">
-                <a:latin typeface="Courier"/>
-                <a:cs typeface="Courier"/>
-              </a:rPr>
-              <a:t>mkdir</a:t>
-            </a:r>
-            <a:r>
-              <a:rPr lang="en-US" sz="2800" dirty="0">
-                <a:latin typeface="Courier"/>
-                <a:cs typeface="Courier"/>
-              </a:rPr>
-              <a:t> data</a:t>
-            </a:r>
-          </a:p>
-          <a:p>
-            <a:pPr marL="0" indent="0">
-              <a:lnSpc>
-                <a:spcPct val="120000"/>
-              </a:lnSpc>
-              <a:buNone/>
-            </a:pPr>
-            <a:r>
-              <a:rPr lang="en-US" sz="2800" dirty="0">
-                <a:solidFill>
-                  <a:srgbClr val="FF0000"/>
-                </a:solidFill>
-                <a:latin typeface="Courier"/>
-                <a:cs typeface="Courier"/>
-              </a:rPr>
-              <a:t>or</a:t>
-            </a:r>
-          </a:p>
-          <a:p>
-            <a:pPr marL="0" indent="0">
-              <a:lnSpc>
-                <a:spcPct val="120000"/>
-              </a:lnSpc>
-              <a:buNone/>
-            </a:pPr>
-            <a:r>
-              <a:rPr lang="en-US" sz="2800" dirty="0" err="1">
-                <a:latin typeface="Courier"/>
-                <a:cs typeface="Courier"/>
-              </a:rPr>
-              <a:t>mkdir</a:t>
-            </a:r>
-            <a:r>
-              <a:rPr lang="en-US" sz="2800" dirty="0">
-                <a:latin typeface="Courier"/>
-                <a:cs typeface="Courier"/>
-              </a:rPr>
-              <a:t> GATK reference data</a:t>
-            </a:r>
-          </a:p>
-          <a:p>
-            <a:pPr marL="0" indent="0">
-              <a:lnSpc>
-                <a:spcPct val="120000"/>
-              </a:lnSpc>
-              <a:buNone/>
-            </a:pPr>
-            <a:endParaRPr lang="en-US" sz="2800" dirty="0">
-              <a:latin typeface="Courier"/>
-              <a:cs typeface="Courier"/>
-            </a:endParaRPr>
-          </a:p>
-          <a:p>
-            <a:pPr marL="0" indent="0">
-              <a:lnSpc>
-                <a:spcPct val="120000"/>
-              </a:lnSpc>
-              <a:buNone/>
-            </a:pPr>
-            <a:endParaRPr lang="en-US" sz="2800" dirty="0">
-              <a:latin typeface="Courier"/>
-              <a:cs typeface="Courier"/>
-            </a:endParaRPr>
+            <a:r>
+              <a:rPr lang="en-US" sz="3600" dirty="0"/>
+              <a:t>Alignment  of sequences to a reference genome</a:t>
+            </a:r>
+          </a:p>
+          <a:p>
+            <a:endParaRPr lang="en-US" sz="3600" dirty="0"/>
+          </a:p>
+          <a:p>
+            <a:r>
+              <a:rPr lang="en-US" sz="3600" dirty="0"/>
+              <a:t>GATK variant calling</a:t>
+            </a:r>
           </a:p>
         </p:txBody>
       </p:sp>
     </p:spTree>
     <p:extLst>
       <p:ext uri="{BB962C8B-B14F-4D97-AF65-F5344CB8AC3E}">
-        <p14:creationId xmlns:p14="http://schemas.microsoft.com/office/powerpoint/2010/main" val="2000764796"/>
+        <p14:creationId xmlns:p14="http://schemas.microsoft.com/office/powerpoint/2010/main" val="1555105188"/>
       </p:ext>
     </p:extLst>
   </p:cSld>
@@ -6013,38 +6169,40 @@
         </p:nvSpPr>
         <p:spPr/>
         <p:txBody>
-          <a:bodyPr/>
-          <a:lstStyle/>
-          <a:p>
-            <a:r>
-              <a:rPr lang="en-US" dirty="0"/>
-              <a:t>Make links to data</a:t>
-            </a:r>
-          </a:p>
-        </p:txBody>
-      </p:sp>
-      <p:sp>
-        <p:nvSpPr>
-          <p:cNvPr id="3" name="Content Placeholder 2"/>
-          <p:cNvSpPr>
-            <a:spLocks noGrp="1"/>
-          </p:cNvSpPr>
-          <p:nvPr>
-            <p:ph idx="1"/>
-          </p:nvPr>
-        </p:nvSpPr>
-        <p:spPr>
-          <a:xfrm>
-            <a:off x="488952" y="971021"/>
-            <a:ext cx="8175625" cy="5491868"/>
-          </a:xfrm>
-        </p:spPr>
-        <p:txBody>
           <a:bodyPr>
             <a:normAutofit/>
           </a:bodyPr>
           <a:lstStyle/>
           <a:p>
+            <a:r>
+              <a:rPr lang="en-US" sz="3200" dirty="0"/>
+              <a:t>directories</a:t>
+            </a:r>
+          </a:p>
+        </p:txBody>
+      </p:sp>
+      <p:sp>
+        <p:nvSpPr>
+          <p:cNvPr id="3" name="Content Placeholder 2"/>
+          <p:cNvSpPr>
+            <a:spLocks noGrp="1"/>
+          </p:cNvSpPr>
+          <p:nvPr>
+            <p:ph idx="1"/>
+          </p:nvPr>
+        </p:nvSpPr>
+        <p:spPr>
+          <a:xfrm>
+            <a:off x="965398" y="1254854"/>
+            <a:ext cx="7213204" cy="5132565"/>
+          </a:xfrm>
+        </p:spPr>
+        <p:txBody>
+          <a:bodyPr>
+            <a:noAutofit/>
+          </a:bodyPr>
+          <a:lstStyle/>
+          <a:p>
             <a:pPr marL="0" indent="0">
               <a:lnSpc>
                 <a:spcPct val="120000"/>
@@ -6052,26 +6210,85 @@
               <a:buNone/>
             </a:pPr>
             <a:r>
-              <a:rPr lang="en-US" dirty="0"/>
+              <a:rPr lang="fr-FR" sz="2800" dirty="0"/>
               <a:t># </a:t>
             </a:r>
             <a:r>
-              <a:rPr lang="en-US" dirty="0" err="1"/>
-              <a:t>E.coli</a:t>
-            </a:r>
-            <a:r>
-              <a:rPr lang="en-US" dirty="0"/>
-              <a:t> K-12 </a:t>
-            </a:r>
-            <a:r>
-              <a:rPr lang="fr-FR" dirty="0"/>
-              <a:t>MG1655 </a:t>
-            </a:r>
-            <a:r>
-              <a:rPr lang="fr-FR" dirty="0" err="1"/>
-              <a:t>reference</a:t>
-            </a:r>
-            <a:endParaRPr lang="en-US" sz="1800" dirty="0">
+              <a:rPr lang="fr-FR" sz="2800" dirty="0" err="1"/>
+              <a:t>create</a:t>
+            </a:r>
+            <a:r>
+              <a:rPr lang="fr-FR" sz="2800" dirty="0"/>
+              <a:t> a new directory for </a:t>
+            </a:r>
+            <a:r>
+              <a:rPr lang="fr-FR" sz="2800" dirty="0" err="1"/>
+              <a:t>today's</a:t>
+            </a:r>
+            <a:r>
+              <a:rPr lang="fr-FR" sz="2800" dirty="0"/>
+              <a:t> practice</a:t>
+            </a:r>
+          </a:p>
+          <a:p>
+            <a:pPr marL="0" indent="0">
+              <a:lnSpc>
+                <a:spcPct val="120000"/>
+              </a:lnSpc>
+              <a:buNone/>
+            </a:pPr>
+            <a:r>
+              <a:rPr lang="fr-FR" sz="2800" dirty="0" err="1">
+                <a:latin typeface="Courier"/>
+                <a:cs typeface="Courier"/>
+              </a:rPr>
+              <a:t>mkdir</a:t>
+            </a:r>
+            <a:r>
+              <a:rPr lang="fr-FR" sz="2800" dirty="0">
+                <a:latin typeface="Courier"/>
+                <a:cs typeface="Courier"/>
+              </a:rPr>
+              <a:t> </a:t>
+            </a:r>
+            <a:r>
+              <a:rPr lang="en-US" sz="2800" dirty="0">
+                <a:latin typeface="Courier"/>
+                <a:cs typeface="Courier"/>
+              </a:rPr>
+              <a:t>l</a:t>
+            </a:r>
+            <a:r>
+              <a:rPr lang="en-US" sz="2800" dirty="0"/>
+              <a:t>ab06_variants</a:t>
+            </a:r>
+          </a:p>
+          <a:p>
+            <a:pPr marL="0" indent="0">
+              <a:lnSpc>
+                <a:spcPct val="120000"/>
+              </a:lnSpc>
+              <a:buNone/>
+            </a:pPr>
+            <a:r>
+              <a:rPr lang="fr-FR" sz="2800" dirty="0">
+                <a:latin typeface="Courier"/>
+                <a:cs typeface="Courier"/>
+              </a:rPr>
+              <a:t>cd </a:t>
+            </a:r>
+            <a:r>
+              <a:rPr lang="en-US" sz="2800" dirty="0">
+                <a:latin typeface="Courier"/>
+                <a:cs typeface="Courier"/>
+              </a:rPr>
+              <a:t>l</a:t>
+            </a:r>
+            <a:r>
+              <a:rPr lang="en-US" sz="2800" dirty="0"/>
+              <a:t>ab06_variants</a:t>
+            </a:r>
+            <a:endParaRPr lang="fr-FR" sz="2800" dirty="0">
               <a:latin typeface="Courier"/>
               <a:cs typeface="Courier"/>
             </a:endParaRPr>
@@ -6084,11 +6301,18 @@
               <a:buNone/>
             </a:pPr>
             <a:r>
-              <a:rPr lang="en-US" sz="1800" dirty="0">
-                <a:latin typeface="Courier"/>
-                <a:cs typeface="Courier"/>
-              </a:rPr>
-              <a:t>cd references</a:t>
+              <a:rPr lang="en-US" sz="2800" dirty="0" err="1">
+                <a:latin typeface="Courier"/>
+                <a:cs typeface="Courier"/>
+              </a:rPr>
+              <a:t>mkdir</a:t>
+            </a:r>
+            <a:r>
+              <a:rPr lang="en-US" sz="2800" dirty="0">
+                <a:latin typeface="Courier"/>
+                <a:cs typeface="Courier"/>
+              </a:rPr>
+              <a:t> GATK</a:t>
             </a:r>
           </a:p>
           <a:p>
@@ -6099,28 +6323,58 @@
               <a:buNone/>
             </a:pPr>
             <a:r>
-              <a:rPr lang="en-US" sz="1600" dirty="0" err="1">
-                <a:latin typeface="Courier"/>
-                <a:cs typeface="Courier"/>
-              </a:rPr>
-              <a:t>ln</a:t>
-            </a:r>
-            <a:r>
-              <a:rPr lang="en-US" sz="1600" dirty="0">
-                <a:latin typeface="Courier"/>
-                <a:cs typeface="Courier"/>
-              </a:rPr>
-              <a:t> -s /homes/liu3zhen/teaching/datasets/variants/references/* </a:t>
-            </a:r>
-            <a:r>
-              <a:rPr lang="en-US" sz="1600" b="1" dirty="0">
+              <a:rPr lang="en-US" sz="2800" dirty="0" err="1">
+                <a:latin typeface="Courier"/>
+                <a:cs typeface="Courier"/>
+              </a:rPr>
+              <a:t>mkdir</a:t>
+            </a:r>
+            <a:r>
+              <a:rPr lang="en-US" sz="2800" dirty="0">
+                <a:latin typeface="Courier"/>
+                <a:cs typeface="Courier"/>
+              </a:rPr>
+              <a:t> references</a:t>
+            </a:r>
+          </a:p>
+          <a:p>
+            <a:pPr marL="0" indent="0">
+              <a:lnSpc>
+                <a:spcPct val="120000"/>
+              </a:lnSpc>
+              <a:buNone/>
+            </a:pPr>
+            <a:r>
+              <a:rPr lang="en-US" sz="2800" dirty="0" err="1">
+                <a:latin typeface="Courier"/>
+                <a:cs typeface="Courier"/>
+              </a:rPr>
+              <a:t>mkdir</a:t>
+            </a:r>
+            <a:r>
+              <a:rPr lang="en-US" sz="2800" dirty="0">
+                <a:latin typeface="Courier"/>
+                <a:cs typeface="Courier"/>
+              </a:rPr>
+              <a:t> data</a:t>
+            </a:r>
+          </a:p>
+          <a:p>
+            <a:pPr marL="0" indent="0">
+              <a:lnSpc>
+                <a:spcPct val="120000"/>
+              </a:lnSpc>
+              <a:buNone/>
+            </a:pPr>
+            <a:r>
+              <a:rPr lang="en-US" sz="2800" dirty="0">
                 <a:solidFill>
                   <a:srgbClr val="FF0000"/>
                 </a:solidFill>
                 <a:latin typeface="Courier"/>
                 <a:cs typeface="Courier"/>
               </a:rPr>
-              <a:t>.</a:t>
+              <a:t>or</a:t>
             </a:r>
           </a:p>
           <a:p>
@@ -6131,11 +6385,18 @@
               <a:buNone/>
             </a:pPr>
             <a:r>
-              <a:rPr lang="en-US" sz="1800" dirty="0">
-                <a:latin typeface="Courier"/>
-                <a:cs typeface="Courier"/>
-              </a:rPr>
-              <a:t>cd ..</a:t>
+              <a:rPr lang="en-US" sz="2800" dirty="0" err="1">
+                <a:latin typeface="Courier"/>
+                <a:cs typeface="Courier"/>
+              </a:rPr>
+              <a:t>mkdir</a:t>
+            </a:r>
+            <a:r>
+              <a:rPr lang="en-US" sz="2800" dirty="0">
+                <a:latin typeface="Courier"/>
+                <a:cs typeface="Courier"/>
+              </a:rPr>
+              <a:t> GATK references data</a:t>
             </a:r>
           </a:p>
           <a:p>
@@ -6145,7 +6406,7 @@
               </a:lnSpc>
               <a:buNone/>
             </a:pPr>
-            <a:endParaRPr lang="en-US" sz="1800" dirty="0">
+            <a:endParaRPr lang="en-US" sz="2800" dirty="0">
               <a:latin typeface="Courier"/>
               <a:cs typeface="Courier"/>
             </a:endParaRPr>
@@ -6157,185 +6418,17 @@
               </a:lnSpc>
               <a:buNone/>
             </a:pPr>
-            <a:r>
-              <a:rPr lang="en-US" dirty="0">
-                <a:solidFill>
-                  <a:prstClr val="black"/>
-                </a:solidFill>
-              </a:rPr>
-              <a:t># Alignment data</a:t>
-            </a:r>
-            <a:r>
-              <a:rPr lang="en-US" sz="1800" dirty="0">
-                <a:latin typeface="Courier"/>
-                <a:cs typeface="Courier"/>
-              </a:rPr>
-              <a:t>:</a:t>
-            </a:r>
-          </a:p>
-          <a:p>
-            <a:pPr marL="0" indent="0">
-              <a:lnSpc>
-                <a:spcPct val="120000"/>
-              </a:lnSpc>
-              <a:buNone/>
-            </a:pPr>
-            <a:r>
-              <a:rPr lang="en-US" sz="1800" dirty="0">
-                <a:latin typeface="Courier"/>
-                <a:cs typeface="Courier"/>
-              </a:rPr>
-              <a:t>cd data</a:t>
-            </a:r>
-          </a:p>
-          <a:p>
-            <a:pPr marL="0" indent="0">
-              <a:lnSpc>
-                <a:spcPct val="120000"/>
-              </a:lnSpc>
-              <a:buNone/>
-            </a:pPr>
-            <a:r>
-              <a:rPr lang="en-US" sz="1800" dirty="0" err="1">
-                <a:latin typeface="Courier"/>
-                <a:cs typeface="Courier"/>
-              </a:rPr>
-              <a:t>ln</a:t>
-            </a:r>
-            <a:r>
-              <a:rPr lang="en-US" sz="1800" dirty="0">
-                <a:latin typeface="Courier"/>
-                <a:cs typeface="Courier"/>
-              </a:rPr>
-              <a:t> -s /homes/liu3zhen/teaching/datasets/variants/data/* </a:t>
-            </a:r>
-            <a:r>
-              <a:rPr lang="en-US" sz="1800" b="1" dirty="0">
-                <a:solidFill>
-                  <a:srgbClr val="FF0000"/>
-                </a:solidFill>
-                <a:latin typeface="Courier"/>
-                <a:cs typeface="Courier"/>
-              </a:rPr>
-              <a:t>.</a:t>
-            </a:r>
-          </a:p>
-          <a:p>
-            <a:pPr marL="0" indent="0">
-              <a:lnSpc>
-                <a:spcPct val="120000"/>
-              </a:lnSpc>
-              <a:buNone/>
-            </a:pPr>
-            <a:r>
-              <a:rPr lang="en-US" sz="1800" dirty="0">
-                <a:latin typeface="Courier"/>
-                <a:cs typeface="Courier"/>
-              </a:rPr>
-              <a:t>cd ..</a:t>
-            </a:r>
-          </a:p>
-          <a:p>
-            <a:pPr marL="0" indent="0">
-              <a:lnSpc>
-                <a:spcPct val="120000"/>
-              </a:lnSpc>
-              <a:buNone/>
-            </a:pPr>
-            <a:endParaRPr lang="en-US" sz="1800" dirty="0">
+            <a:endParaRPr lang="en-US" sz="2800" dirty="0">
               <a:latin typeface="Courier"/>
               <a:cs typeface="Courier"/>
             </a:endParaRPr>
           </a:p>
-          <a:p>
-            <a:pPr marL="0" indent="0">
-              <a:buNone/>
-            </a:pPr>
-            <a:r>
-              <a:rPr lang="en-US" sz="1800" dirty="0">
-                <a:solidFill>
-                  <a:schemeClr val="tx1">
-                    <a:lumMod val="65000"/>
-                    <a:lumOff val="35000"/>
-                  </a:schemeClr>
-                </a:solidFill>
-              </a:rPr>
-              <a:t># DH10B.parse.bam</a:t>
-            </a:r>
-          </a:p>
-          <a:p>
-            <a:pPr marL="0" indent="0">
-              <a:buNone/>
-            </a:pPr>
-            <a:r>
-              <a:rPr lang="en-US" sz="1800" dirty="0">
-                <a:solidFill>
-                  <a:schemeClr val="tx1">
-                    <a:lumMod val="65000"/>
-                    <a:lumOff val="35000"/>
-                  </a:schemeClr>
-                </a:solidFill>
-              </a:rPr>
-              <a:t># DH10B.parse.bam.bai</a:t>
-            </a:r>
-          </a:p>
-          <a:p>
-            <a:pPr marL="0" indent="0">
-              <a:buNone/>
-            </a:pPr>
-            <a:r>
-              <a:rPr lang="en-US" sz="1800" dirty="0">
-                <a:solidFill>
-                  <a:schemeClr val="tx1">
-                    <a:lumMod val="65000"/>
-                    <a:lumOff val="35000"/>
-                  </a:schemeClr>
-                </a:solidFill>
-              </a:rPr>
-              <a:t># MG1655.parse.bam</a:t>
-            </a:r>
-          </a:p>
-          <a:p>
-            <a:pPr marL="0" indent="0">
-              <a:buNone/>
-            </a:pPr>
-            <a:r>
-              <a:rPr lang="en-US" sz="1800" dirty="0">
-                <a:solidFill>
-                  <a:schemeClr val="tx1">
-                    <a:lumMod val="65000"/>
-                    <a:lumOff val="35000"/>
-                  </a:schemeClr>
-                </a:solidFill>
-              </a:rPr>
-              <a:t># MG1655.parse.bam.bai</a:t>
-            </a:r>
-            <a:endParaRPr lang="en-US" sz="1800" dirty="0">
-              <a:solidFill>
-                <a:schemeClr val="tx1">
-                  <a:lumMod val="65000"/>
-                  <a:lumOff val="35000"/>
-                </a:schemeClr>
-              </a:solidFill>
-              <a:latin typeface="Courier"/>
-              <a:cs typeface="Courier"/>
-            </a:endParaRPr>
-          </a:p>
-          <a:p>
-            <a:pPr marL="0" indent="0">
-              <a:buNone/>
-            </a:pPr>
-            <a:endParaRPr lang="en-US" sz="1800" dirty="0">
-              <a:latin typeface="Courier"/>
-              <a:cs typeface="Courier"/>
-            </a:endParaRPr>
-          </a:p>
         </p:txBody>
       </p:sp>
     </p:spTree>
     <p:extLst>
       <p:ext uri="{BB962C8B-B14F-4D97-AF65-F5344CB8AC3E}">
-        <p14:creationId xmlns:p14="http://schemas.microsoft.com/office/powerpoint/2010/main" val="4274619241"/>
+        <p14:creationId xmlns:p14="http://schemas.microsoft.com/office/powerpoint/2010/main" val="2000764796"/>
       </p:ext>
     </p:extLst>
   </p:cSld>
@@ -6372,6 +6465,367 @@
             <p:ph type="title"/>
           </p:nvPr>
         </p:nvSpPr>
+        <p:spPr/>
+        <p:txBody>
+          <a:bodyPr/>
+          <a:lstStyle/>
+          <a:p>
+            <a:r>
+              <a:rPr lang="en-US" dirty="0"/>
+              <a:t>Make links to data</a:t>
+            </a:r>
+          </a:p>
+        </p:txBody>
+      </p:sp>
+      <p:sp>
+        <p:nvSpPr>
+          <p:cNvPr id="3" name="Content Placeholder 2"/>
+          <p:cNvSpPr>
+            <a:spLocks noGrp="1"/>
+          </p:cNvSpPr>
+          <p:nvPr>
+            <p:ph idx="1"/>
+          </p:nvPr>
+        </p:nvSpPr>
+        <p:spPr>
+          <a:xfrm>
+            <a:off x="488952" y="971021"/>
+            <a:ext cx="8175625" cy="5491868"/>
+          </a:xfrm>
+        </p:spPr>
+        <p:txBody>
+          <a:bodyPr>
+            <a:normAutofit/>
+          </a:bodyPr>
+          <a:lstStyle/>
+          <a:p>
+            <a:pPr marL="0" indent="0">
+              <a:lnSpc>
+                <a:spcPct val="120000"/>
+              </a:lnSpc>
+              <a:buNone/>
+            </a:pPr>
+            <a:r>
+              <a:rPr lang="en-US" dirty="0"/>
+              <a:t># </a:t>
+            </a:r>
+            <a:r>
+              <a:rPr lang="en-US" dirty="0" err="1"/>
+              <a:t>E.coli</a:t>
+            </a:r>
+            <a:r>
+              <a:rPr lang="en-US" dirty="0"/>
+              <a:t> K-12 </a:t>
+            </a:r>
+            <a:r>
+              <a:rPr lang="fr-FR" dirty="0"/>
+              <a:t>MG1655 </a:t>
+            </a:r>
+            <a:r>
+              <a:rPr lang="fr-FR" dirty="0" err="1"/>
+              <a:t>reference</a:t>
+            </a:r>
+            <a:endParaRPr lang="en-US" sz="1800" dirty="0">
+              <a:latin typeface="Courier"/>
+              <a:cs typeface="Courier"/>
+            </a:endParaRPr>
+          </a:p>
+          <a:p>
+            <a:pPr marL="0" indent="0">
+              <a:lnSpc>
+                <a:spcPct val="120000"/>
+              </a:lnSpc>
+              <a:buNone/>
+            </a:pPr>
+            <a:r>
+              <a:rPr lang="en-US" sz="1800" dirty="0">
+                <a:latin typeface="Courier"/>
+                <a:cs typeface="Courier"/>
+              </a:rPr>
+              <a:t>cd references</a:t>
+            </a:r>
+          </a:p>
+          <a:p>
+            <a:pPr marL="0" indent="0">
+              <a:lnSpc>
+                <a:spcPct val="120000"/>
+              </a:lnSpc>
+              <a:buNone/>
+            </a:pPr>
+            <a:r>
+              <a:rPr lang="en-US" sz="1600" dirty="0" err="1">
+                <a:latin typeface="Courier"/>
+                <a:cs typeface="Courier"/>
+              </a:rPr>
+              <a:t>ln</a:t>
+            </a:r>
+            <a:r>
+              <a:rPr lang="en-US" sz="1600" dirty="0">
+                <a:latin typeface="Courier"/>
+                <a:cs typeface="Courier"/>
+              </a:rPr>
+              <a:t> -s /homes/liu3zhen/teaching/datasets/variants/references/* </a:t>
+            </a:r>
+            <a:r>
+              <a:rPr lang="en-US" sz="1600" b="1" dirty="0">
+                <a:solidFill>
+                  <a:srgbClr val="FF0000"/>
+                </a:solidFill>
+                <a:latin typeface="Courier"/>
+                <a:cs typeface="Courier"/>
+              </a:rPr>
+              <a:t>.</a:t>
+            </a:r>
+          </a:p>
+          <a:p>
+            <a:pPr marL="0" indent="0">
+              <a:lnSpc>
+                <a:spcPct val="120000"/>
+              </a:lnSpc>
+              <a:buNone/>
+            </a:pPr>
+            <a:r>
+              <a:rPr lang="en-US" sz="1800" dirty="0">
+                <a:latin typeface="Courier"/>
+                <a:cs typeface="Courier"/>
+              </a:rPr>
+              <a:t>cd ..</a:t>
+            </a:r>
+          </a:p>
+          <a:p>
+            <a:pPr marL="0" indent="0">
+              <a:lnSpc>
+                <a:spcPct val="120000"/>
+              </a:lnSpc>
+              <a:buNone/>
+            </a:pPr>
+            <a:endParaRPr lang="en-US" sz="1800" dirty="0">
+              <a:latin typeface="Courier"/>
+              <a:cs typeface="Courier"/>
+            </a:endParaRPr>
+          </a:p>
+          <a:p>
+            <a:pPr marL="0" indent="0">
+              <a:lnSpc>
+                <a:spcPct val="120000"/>
+              </a:lnSpc>
+              <a:buNone/>
+            </a:pPr>
+            <a:r>
+              <a:rPr lang="en-US" dirty="0">
+                <a:solidFill>
+                  <a:prstClr val="black"/>
+                </a:solidFill>
+              </a:rPr>
+              <a:t># Alignment data</a:t>
+            </a:r>
+            <a:r>
+              <a:rPr lang="en-US" sz="1800" dirty="0">
+                <a:latin typeface="Courier"/>
+                <a:cs typeface="Courier"/>
+              </a:rPr>
+              <a:t>:</a:t>
+            </a:r>
+          </a:p>
+          <a:p>
+            <a:pPr marL="0" indent="0">
+              <a:lnSpc>
+                <a:spcPct val="120000"/>
+              </a:lnSpc>
+              <a:buNone/>
+            </a:pPr>
+            <a:r>
+              <a:rPr lang="en-US" sz="1800" dirty="0">
+                <a:latin typeface="Courier"/>
+                <a:cs typeface="Courier"/>
+              </a:rPr>
+              <a:t>cd data</a:t>
+            </a:r>
+          </a:p>
+          <a:p>
+            <a:pPr marL="0" indent="0">
+              <a:lnSpc>
+                <a:spcPct val="120000"/>
+              </a:lnSpc>
+              <a:buNone/>
+            </a:pPr>
+            <a:r>
+              <a:rPr lang="en-US" sz="1800" dirty="0" err="1">
+                <a:latin typeface="Courier"/>
+                <a:cs typeface="Courier"/>
+              </a:rPr>
+              <a:t>ln</a:t>
+            </a:r>
+            <a:r>
+              <a:rPr lang="en-US" sz="1800" dirty="0">
+                <a:latin typeface="Courier"/>
+                <a:cs typeface="Courier"/>
+              </a:rPr>
+              <a:t> -s /homes/liu3zhen/teaching/datasets/variants/data/* </a:t>
+            </a:r>
+            <a:r>
+              <a:rPr lang="en-US" sz="1800" b="1" dirty="0">
+                <a:solidFill>
+                  <a:srgbClr val="FF0000"/>
+                </a:solidFill>
+                <a:latin typeface="Courier"/>
+                <a:cs typeface="Courier"/>
+              </a:rPr>
+              <a:t>.</a:t>
+            </a:r>
+          </a:p>
+          <a:p>
+            <a:pPr marL="0" indent="0">
+              <a:lnSpc>
+                <a:spcPct val="120000"/>
+              </a:lnSpc>
+              <a:buNone/>
+            </a:pPr>
+            <a:r>
+              <a:rPr lang="en-US" sz="1800" dirty="0">
+                <a:latin typeface="Courier"/>
+                <a:cs typeface="Courier"/>
+              </a:rPr>
+              <a:t>cd ..</a:t>
+            </a:r>
+          </a:p>
+          <a:p>
+            <a:pPr marL="0" indent="0">
+              <a:lnSpc>
+                <a:spcPct val="120000"/>
+              </a:lnSpc>
+              <a:buNone/>
+            </a:pPr>
+            <a:endParaRPr lang="en-US" sz="1800" dirty="0">
+              <a:latin typeface="Courier"/>
+              <a:cs typeface="Courier"/>
+            </a:endParaRPr>
+          </a:p>
+          <a:p>
+            <a:pPr marL="0" indent="0">
+              <a:buNone/>
+            </a:pPr>
+            <a:r>
+              <a:rPr lang="en-US" sz="1800" dirty="0">
+                <a:solidFill>
+                  <a:schemeClr val="tx1">
+                    <a:lumMod val="65000"/>
+                    <a:lumOff val="35000"/>
+                  </a:schemeClr>
+                </a:solidFill>
+              </a:rPr>
+              <a:t># DH10B.parse.bam</a:t>
+            </a:r>
+          </a:p>
+          <a:p>
+            <a:pPr marL="0" indent="0">
+              <a:buNone/>
+            </a:pPr>
+            <a:r>
+              <a:rPr lang="en-US" sz="1800" dirty="0">
+                <a:solidFill>
+                  <a:schemeClr val="tx1">
+                    <a:lumMod val="65000"/>
+                    <a:lumOff val="35000"/>
+                  </a:schemeClr>
+                </a:solidFill>
+              </a:rPr>
+              <a:t># DH10B.parse.bam.bai</a:t>
+            </a:r>
+          </a:p>
+          <a:p>
+            <a:pPr marL="0" indent="0">
+              <a:buNone/>
+            </a:pPr>
+            <a:r>
+              <a:rPr lang="en-US" sz="1800" dirty="0">
+                <a:solidFill>
+                  <a:schemeClr val="tx1">
+                    <a:lumMod val="65000"/>
+                    <a:lumOff val="35000"/>
+                  </a:schemeClr>
+                </a:solidFill>
+              </a:rPr>
+              <a:t># MG1655.parse.bam</a:t>
+            </a:r>
+          </a:p>
+          <a:p>
+            <a:pPr marL="0" indent="0">
+              <a:buNone/>
+            </a:pPr>
+            <a:r>
+              <a:rPr lang="en-US" sz="1800" dirty="0">
+                <a:solidFill>
+                  <a:schemeClr val="tx1">
+                    <a:lumMod val="65000"/>
+                    <a:lumOff val="35000"/>
+                  </a:schemeClr>
+                </a:solidFill>
+              </a:rPr>
+              <a:t># MG1655.parse.bam.bai</a:t>
+            </a:r>
+            <a:endParaRPr lang="en-US" sz="1800" dirty="0">
+              <a:solidFill>
+                <a:schemeClr val="tx1">
+                  <a:lumMod val="65000"/>
+                  <a:lumOff val="35000"/>
+                </a:schemeClr>
+              </a:solidFill>
+              <a:latin typeface="Courier"/>
+              <a:cs typeface="Courier"/>
+            </a:endParaRPr>
+          </a:p>
+          <a:p>
+            <a:pPr marL="0" indent="0">
+              <a:buNone/>
+            </a:pPr>
+            <a:endParaRPr lang="en-US" sz="1800" dirty="0">
+              <a:latin typeface="Courier"/>
+              <a:cs typeface="Courier"/>
+            </a:endParaRPr>
+          </a:p>
+        </p:txBody>
+      </p:sp>
+    </p:spTree>
+    <p:extLst>
+      <p:ext uri="{BB962C8B-B14F-4D97-AF65-F5344CB8AC3E}">
+        <p14:creationId xmlns:p14="http://schemas.microsoft.com/office/powerpoint/2010/main" val="4274619241"/>
+      </p:ext>
+    </p:extLst>
+  </p:cSld>
+  <p:clrMapOvr>
+    <a:masterClrMapping/>
+  </p:clrMapOvr>
+</p:sld>
+</file>
+
+<file path=ppt/slides/slide6.xml><?xml version="1.0" encoding="utf-8"?>
+<p:sld xmlns:a="http://schemas.openxmlformats.org/drawingml/2006/main" xmlns:r="http://schemas.openxmlformats.org/officeDocument/2006/relationships" xmlns:p="http://schemas.openxmlformats.org/presentationml/2006/main">
+  <p:cSld>
+    <p:spTree>
+      <p:nvGrpSpPr>
+        <p:cNvPr id="1" name=""/>
+        <p:cNvGrpSpPr/>
+        <p:nvPr/>
+      </p:nvGrpSpPr>
+      <p:grpSpPr>
+        <a:xfrm>
+          <a:off x="0" y="0"/>
+          <a:ext cx="0" cy="0"/>
+          <a:chOff x="0" y="0"/>
+          <a:chExt cx="0" cy="0"/>
+        </a:xfrm>
+      </p:grpSpPr>
+      <p:sp>
+        <p:nvSpPr>
+          <p:cNvPr id="2" name="Title 1"/>
+          <p:cNvSpPr>
+            <a:spLocks noGrp="1"/>
+          </p:cNvSpPr>
+          <p:nvPr>
+            <p:ph type="title"/>
+          </p:nvPr>
+        </p:nvSpPr>
         <p:spPr>
           <a:xfrm>
             <a:off x="457200" y="444457"/>
@@ -6830,7 +7284,7 @@
 </p:sld>
 </file>
 
-<file path=ppt/slides/slide6.xml><?xml version="1.0" encoding="utf-8"?>
+<file path=ppt/slides/slide7.xml><?xml version="1.0" encoding="utf-8"?>
 <p:sld xmlns:a="http://schemas.openxmlformats.org/drawingml/2006/main" xmlns:r="http://schemas.openxmlformats.org/officeDocument/2006/relationships" xmlns:p="http://schemas.openxmlformats.org/presentationml/2006/main">
   <p:cSld>
     <p:spTree>
@@ -7381,283 +7835,6 @@
 </p:sld>
 </file>
 
-<file path=ppt/slides/slide7.xml><?xml version="1.0" encoding="utf-8"?>
-<p:sld xmlns:a="http://schemas.openxmlformats.org/drawingml/2006/main" xmlns:r="http://schemas.openxmlformats.org/officeDocument/2006/relationships" xmlns:p="http://schemas.openxmlformats.org/presentationml/2006/main">
-  <p:cSld>
-    <p:spTree>
-      <p:nvGrpSpPr>
-        <p:cNvPr id="1" name=""/>
-        <p:cNvGrpSpPr/>
-        <p:nvPr/>
-      </p:nvGrpSpPr>
-      <p:grpSpPr>
-        <a:xfrm>
-          <a:off x="0" y="0"/>
-          <a:ext cx="0" cy="0"/>
-          <a:chOff x="0" y="0"/>
-          <a:chExt cx="0" cy="0"/>
-        </a:xfrm>
-      </p:grpSpPr>
-      <p:sp>
-        <p:nvSpPr>
-          <p:cNvPr id="2" name="Title 1"/>
-          <p:cNvSpPr>
-            <a:spLocks noGrp="1"/>
-          </p:cNvSpPr>
-          <p:nvPr>
-            <p:ph type="title"/>
-          </p:nvPr>
-        </p:nvSpPr>
-        <p:spPr>
-          <a:xfrm>
-            <a:off x="210255" y="392205"/>
-            <a:ext cx="8771849" cy="772987"/>
-          </a:xfrm>
-        </p:spPr>
-        <p:txBody>
-          <a:bodyPr/>
-          <a:lstStyle/>
-          <a:p>
-            <a:r>
-              <a:rPr lang="en-US" dirty="0"/>
-              <a:t>Prior to GATK, the reference genome needs to be indexed</a:t>
-            </a:r>
-          </a:p>
-        </p:txBody>
-      </p:sp>
-      <p:sp>
-        <p:nvSpPr>
-          <p:cNvPr id="3" name="Content Placeholder 2"/>
-          <p:cNvSpPr>
-            <a:spLocks noGrp="1"/>
-          </p:cNvSpPr>
-          <p:nvPr>
-            <p:ph idx="1"/>
-          </p:nvPr>
-        </p:nvSpPr>
-        <p:spPr>
-          <a:xfrm>
-            <a:off x="210255" y="2002193"/>
-            <a:ext cx="8607174" cy="3669920"/>
-          </a:xfrm>
-        </p:spPr>
-        <p:txBody>
-          <a:bodyPr>
-            <a:noAutofit/>
-          </a:bodyPr>
-          <a:lstStyle/>
-          <a:p>
-            <a:pPr marL="0" indent="0">
-              <a:buNone/>
-            </a:pPr>
-            <a:r>
-              <a:rPr lang="en-US" sz="2800" dirty="0">
-                <a:latin typeface="Courier"/>
-                <a:cs typeface="Courier"/>
-              </a:rPr>
-              <a:t>### indexing</a:t>
-            </a:r>
-          </a:p>
-          <a:p>
-            <a:pPr marL="0" indent="0">
-              <a:buNone/>
-            </a:pPr>
-            <a:r>
-              <a:rPr lang="en-US" sz="2800" dirty="0">
-                <a:latin typeface="Courier"/>
-                <a:cs typeface="Courier"/>
-              </a:rPr>
-              <a:t>module load </a:t>
-            </a:r>
-            <a:r>
-              <a:rPr lang="en-US" sz="2800" dirty="0" err="1">
-                <a:latin typeface="Courier"/>
-                <a:cs typeface="Courier"/>
-              </a:rPr>
-              <a:t>SAMtools</a:t>
-            </a:r>
-            <a:endParaRPr lang="en-US" sz="2800" dirty="0">
-              <a:latin typeface="Courier"/>
-              <a:cs typeface="Courier"/>
-            </a:endParaRPr>
-          </a:p>
-          <a:p>
-            <a:pPr marL="0" indent="0">
-              <a:buNone/>
-            </a:pPr>
-            <a:endParaRPr lang="en-US" sz="2800" dirty="0">
-              <a:latin typeface="Courier"/>
-              <a:cs typeface="Courier"/>
-            </a:endParaRPr>
-          </a:p>
-          <a:p>
-            <a:pPr marL="0" indent="0">
-              <a:buNone/>
-            </a:pPr>
-            <a:r>
-              <a:rPr lang="en-US" sz="2800" dirty="0" err="1">
-                <a:latin typeface="Courier"/>
-                <a:cs typeface="Courier"/>
-              </a:rPr>
-              <a:t>samtools</a:t>
-            </a:r>
-            <a:r>
-              <a:rPr lang="en-US" sz="2800" dirty="0">
-                <a:latin typeface="Courier"/>
-                <a:cs typeface="Courier"/>
-              </a:rPr>
-              <a:t> </a:t>
-            </a:r>
-            <a:r>
-              <a:rPr lang="en-US" sz="2800" dirty="0" err="1">
-                <a:latin typeface="Courier"/>
-                <a:cs typeface="Courier"/>
-              </a:rPr>
-              <a:t>dict</a:t>
-            </a:r>
-            <a:r>
-              <a:rPr lang="en-US" sz="2800" dirty="0">
-                <a:latin typeface="Courier"/>
-                <a:cs typeface="Courier"/>
-              </a:rPr>
-              <a:t> Ecoli_k12_MG1655.fasta \</a:t>
-            </a:r>
-          </a:p>
-          <a:p>
-            <a:pPr marL="0" indent="0">
-              <a:buNone/>
-            </a:pPr>
-            <a:r>
-              <a:rPr lang="en-US" sz="2800" dirty="0">
-                <a:latin typeface="Courier"/>
-                <a:cs typeface="Courier"/>
-              </a:rPr>
-              <a:t>	&gt; Ecoli_k12_MG1655.dict</a:t>
-            </a:r>
-          </a:p>
-          <a:p>
-            <a:pPr marL="0" indent="0">
-              <a:buNone/>
-            </a:pPr>
-            <a:endParaRPr lang="en-US" sz="2800" dirty="0">
-              <a:latin typeface="Courier"/>
-              <a:cs typeface="Courier"/>
-            </a:endParaRPr>
-          </a:p>
-          <a:p>
-            <a:pPr marL="0" indent="0">
-              <a:buNone/>
-            </a:pPr>
-            <a:r>
-              <a:rPr lang="en-US" sz="2800" dirty="0" err="1">
-                <a:latin typeface="Courier"/>
-                <a:cs typeface="Courier"/>
-              </a:rPr>
-              <a:t>samtools</a:t>
-            </a:r>
-            <a:r>
-              <a:rPr lang="en-US" sz="2800" dirty="0">
-                <a:latin typeface="Courier"/>
-                <a:cs typeface="Courier"/>
-              </a:rPr>
-              <a:t> </a:t>
-            </a:r>
-            <a:r>
-              <a:rPr lang="en-US" sz="2800" dirty="0" err="1">
-                <a:latin typeface="Courier"/>
-                <a:cs typeface="Courier"/>
-              </a:rPr>
-              <a:t>faidx</a:t>
-            </a:r>
-            <a:r>
-              <a:rPr lang="en-US" sz="2800" dirty="0">
-                <a:latin typeface="Courier"/>
-                <a:cs typeface="Courier"/>
-              </a:rPr>
-              <a:t> Ecoli_k12_MG1655.fasta</a:t>
-            </a:r>
-          </a:p>
-        </p:txBody>
-      </p:sp>
-      <p:sp>
-        <p:nvSpPr>
-          <p:cNvPr id="4" name="TextBox 3"/>
-          <p:cNvSpPr txBox="1"/>
-          <p:nvPr/>
-        </p:nvSpPr>
-        <p:spPr>
-          <a:xfrm>
-            <a:off x="518542" y="1217363"/>
-            <a:ext cx="4742504" cy="523220"/>
-          </a:xfrm>
-          <a:prstGeom prst="rect">
-            <a:avLst/>
-          </a:prstGeom>
-          <a:noFill/>
-        </p:spPr>
-        <p:txBody>
-          <a:bodyPr wrap="none" rtlCol="0">
-            <a:spAutoFit/>
-          </a:bodyPr>
-          <a:lstStyle/>
-          <a:p>
-            <a:r>
-              <a:rPr lang="en-US" sz="2800" dirty="0">
-                <a:solidFill>
-                  <a:srgbClr val="FF0000"/>
-                </a:solidFill>
-              </a:rPr>
-              <a:t>In the directory of "references"</a:t>
-            </a:r>
-          </a:p>
-        </p:txBody>
-      </p:sp>
-      <p:sp>
-        <p:nvSpPr>
-          <p:cNvPr id="5" name="TextBox 4"/>
-          <p:cNvSpPr txBox="1"/>
-          <p:nvPr/>
-        </p:nvSpPr>
-        <p:spPr>
-          <a:xfrm>
-            <a:off x="586178" y="5933723"/>
-            <a:ext cx="2704311" cy="523220"/>
-          </a:xfrm>
-          <a:prstGeom prst="rect">
-            <a:avLst/>
-          </a:prstGeom>
-          <a:noFill/>
-        </p:spPr>
-        <p:txBody>
-          <a:bodyPr wrap="none" rtlCol="0">
-            <a:spAutoFit/>
-          </a:bodyPr>
-          <a:lstStyle/>
-          <a:p>
-            <a:r>
-              <a:rPr lang="en-US" sz="2800" dirty="0">
-                <a:solidFill>
-                  <a:srgbClr val="FF0000"/>
-                </a:solidFill>
-              </a:rPr>
-              <a:t>Check the output</a:t>
-            </a:r>
-          </a:p>
-        </p:txBody>
-      </p:sp>
-    </p:spTree>
-    <p:extLst>
-      <p:ext uri="{BB962C8B-B14F-4D97-AF65-F5344CB8AC3E}">
-        <p14:creationId xmlns:p14="http://schemas.microsoft.com/office/powerpoint/2010/main" val="1274300925"/>
-      </p:ext>
-    </p:extLst>
-  </p:cSld>
-  <p:clrMapOvr>
-    <a:masterClrMapping/>
-  </p:clrMapOvr>
-</p:sld>
-</file>
-
 <file path=ppt/slides/slide8.xml><?xml version="1.0" encoding="utf-8"?>
 <p:sld xmlns:a="http://schemas.openxmlformats.org/drawingml/2006/main" xmlns:r="http://schemas.openxmlformats.org/officeDocument/2006/relationships" xmlns:p="http://schemas.openxmlformats.org/presentationml/2006/main">
   <p:cSld>
@@ -7685,39 +7862,42 @@
             <p:ph type="title"/>
           </p:nvPr>
         </p:nvSpPr>
-        <p:spPr/>
-        <p:txBody>
-          <a:bodyPr>
-            <a:normAutofit/>
-          </a:bodyPr>
-          <a:lstStyle/>
-          <a:p>
-            <a:r>
-              <a:rPr lang="en-US" sz="3600" dirty="0"/>
-              <a:t>GATK</a:t>
-            </a:r>
-          </a:p>
-        </p:txBody>
-      </p:sp>
-      <p:sp>
-        <p:nvSpPr>
-          <p:cNvPr id="3" name="Content Placeholder 2"/>
-          <p:cNvSpPr>
-            <a:spLocks noGrp="1"/>
-          </p:cNvSpPr>
-          <p:nvPr>
-            <p:ph idx="1"/>
-          </p:nvPr>
-        </p:nvSpPr>
         <p:spPr>
           <a:xfrm>
-            <a:off x="457200" y="1853189"/>
-            <a:ext cx="8229600" cy="3189074"/>
+            <a:off x="210255" y="392205"/>
+            <a:ext cx="8771849" cy="772987"/>
           </a:xfrm>
         </p:spPr>
         <p:txBody>
+          <a:bodyPr/>
+          <a:lstStyle/>
+          <a:p>
+            <a:r>
+              <a:rPr lang="en-US" dirty="0"/>
+              <a:t>Prior to GATK, the reference genome needs to be indexed</a:t>
+            </a:r>
+          </a:p>
+        </p:txBody>
+      </p:sp>
+      <p:sp>
+        <p:nvSpPr>
+          <p:cNvPr id="3" name="Content Placeholder 2"/>
+          <p:cNvSpPr>
+            <a:spLocks noGrp="1"/>
+          </p:cNvSpPr>
+          <p:nvPr>
+            <p:ph idx="1"/>
+          </p:nvPr>
+        </p:nvSpPr>
+        <p:spPr>
+          <a:xfrm>
+            <a:off x="210255" y="2002193"/>
+            <a:ext cx="8607174" cy="3669920"/>
+          </a:xfrm>
+        </p:spPr>
+        <p:txBody>
           <a:bodyPr>
-            <a:normAutofit/>
+            <a:noAutofit/>
           </a:bodyPr>
           <a:lstStyle/>
           <a:p>
@@ -7725,33 +7905,33 @@
               <a:buNone/>
             </a:pPr>
             <a:r>
-              <a:rPr lang="en-US" sz="1800" dirty="0" err="1">
-                <a:latin typeface="Courier" pitchFamily="2" charset="0"/>
-                <a:cs typeface="Courier"/>
-              </a:rPr>
-              <a:t>gatk</a:t>
-            </a:r>
-            <a:r>
-              <a:rPr lang="en-US" sz="1800" dirty="0">
-                <a:latin typeface="Courier" pitchFamily="2" charset="0"/>
-                <a:cs typeface="Courier"/>
-              </a:rPr>
-              <a:t>=</a:t>
-            </a:r>
-            <a:r>
-              <a:rPr lang="en-US" sz="1800" dirty="0">
-                <a:latin typeface="Courier" pitchFamily="2" charset="0"/>
-              </a:rPr>
-              <a:t>/homes/liu3zhen/software/GATK/gatk4/gatk-4.1.9.0/</a:t>
-            </a:r>
-            <a:r>
-              <a:rPr lang="en-US" sz="1800" dirty="0" err="1">
-                <a:latin typeface="Courier" pitchFamily="2" charset="0"/>
-              </a:rPr>
-              <a:t>gatk</a:t>
-            </a:r>
-            <a:endParaRPr lang="en-US" sz="1800" dirty="0">
-              <a:latin typeface="Courier" pitchFamily="2" charset="0"/>
+              <a:rPr lang="en-US" sz="2800" dirty="0">
+                <a:latin typeface="Courier"/>
+                <a:cs typeface="Courier"/>
+              </a:rPr>
+              <a:t>### indexing</a:t>
+            </a:r>
+          </a:p>
+          <a:p>
+            <a:pPr marL="0" indent="0">
+              <a:buNone/>
+            </a:pPr>
+            <a:r>
+              <a:rPr lang="en-US" sz="2800" dirty="0">
+                <a:latin typeface="Courier"/>
+                <a:cs typeface="Courier"/>
+              </a:rPr>
+              <a:t>module load </a:t>
+            </a:r>
+            <a:r>
+              <a:rPr lang="en-US" sz="2800" dirty="0" err="1">
+                <a:latin typeface="Courier"/>
+                <a:cs typeface="Courier"/>
+              </a:rPr>
+              <a:t>SAMtools</a:t>
+            </a:r>
+            <a:endParaRPr lang="en-US" sz="2800" dirty="0">
+              <a:latin typeface="Courier"/>
               <a:cs typeface="Courier"/>
             </a:endParaRPr>
           </a:p>
@@ -7759,8 +7939,8 @@
             <a:pPr marL="0" indent="0">
               <a:buNone/>
             </a:pPr>
-            <a:endParaRPr lang="en-US" dirty="0">
-              <a:latin typeface="Courier" pitchFamily="2" charset="0"/>
+            <a:endParaRPr lang="en-US" sz="2800" dirty="0">
+              <a:latin typeface="Courier"/>
               <a:cs typeface="Courier"/>
             </a:endParaRPr>
           </a:p>
@@ -7769,33 +7949,52 @@
               <a:buNone/>
             </a:pPr>
             <a:r>
-              <a:rPr lang="ro-RO" sz="3600" dirty="0">
-                <a:latin typeface="Courier"/>
-                <a:cs typeface="Courier"/>
-              </a:rPr>
-              <a:t>module </a:t>
-            </a:r>
-            <a:r>
-              <a:rPr lang="ro-RO" sz="3600" dirty="0" err="1">
-                <a:latin typeface="Courier"/>
-                <a:cs typeface="Courier"/>
-              </a:rPr>
-              <a:t>load</a:t>
-            </a:r>
-            <a:r>
-              <a:rPr lang="ro-RO" sz="3600" dirty="0">
-                <a:latin typeface="Courier"/>
-                <a:cs typeface="Courier"/>
-              </a:rPr>
-              <a:t> Java/1.8.0_192 </a:t>
-            </a:r>
-          </a:p>
-          <a:p>
-            <a:pPr marL="0" indent="0">
-              <a:buNone/>
-            </a:pPr>
-            <a:endParaRPr lang="en-US" sz="3600" dirty="0">
-              <a:latin typeface="Courier" pitchFamily="2" charset="0"/>
+              <a:rPr lang="en-US" sz="2800" dirty="0" err="1">
+                <a:latin typeface="Courier"/>
+                <a:cs typeface="Courier"/>
+              </a:rPr>
+              <a:t>samtools</a:t>
+            </a:r>
+            <a:r>
+              <a:rPr lang="en-US" sz="2800" dirty="0">
+                <a:latin typeface="Courier"/>
+                <a:cs typeface="Courier"/>
+              </a:rPr>
+              <a:t> </a:t>
+            </a:r>
+            <a:r>
+              <a:rPr lang="en-US" sz="2800" dirty="0" err="1">
+                <a:latin typeface="Courier"/>
+                <a:cs typeface="Courier"/>
+              </a:rPr>
+              <a:t>dict</a:t>
+            </a:r>
+            <a:r>
+              <a:rPr lang="en-US" sz="2800" dirty="0">
+                <a:latin typeface="Courier"/>
+                <a:cs typeface="Courier"/>
+              </a:rPr>
+              <a:t> Ecoli_k12_MG1655.fasta \</a:t>
+            </a:r>
+          </a:p>
+          <a:p>
+            <a:pPr marL="0" indent="0">
+              <a:buNone/>
+            </a:pPr>
+            <a:r>
+              <a:rPr lang="en-US" sz="2800" dirty="0">
+                <a:latin typeface="Courier"/>
+                <a:cs typeface="Courier"/>
+              </a:rPr>
+              <a:t>	&gt; Ecoli_k12_MG1655.dict</a:t>
+            </a:r>
+          </a:p>
+          <a:p>
+            <a:pPr marL="0" indent="0">
+              <a:buNone/>
+            </a:pPr>
+            <a:endParaRPr lang="en-US" sz="2800" dirty="0">
+              <a:latin typeface="Courier"/>
               <a:cs typeface="Courier"/>
             </a:endParaRPr>
           </a:p>
@@ -7804,29 +8003,157 @@
               <a:buNone/>
             </a:pPr>
             <a:r>
-              <a:rPr lang="en-US" sz="3600" dirty="0">
-                <a:latin typeface="Courier" pitchFamily="2" charset="0"/>
-                <a:cs typeface="Courier"/>
-              </a:rPr>
-              <a:t>$</a:t>
-            </a:r>
-            <a:r>
-              <a:rPr lang="en-US" sz="3600" dirty="0" err="1">
-                <a:latin typeface="Courier" pitchFamily="2" charset="0"/>
-                <a:cs typeface="Courier"/>
-              </a:rPr>
-              <a:t>gatk</a:t>
-            </a:r>
-            <a:endParaRPr lang="en-US" sz="3600" dirty="0">
-              <a:latin typeface="Courier" pitchFamily="2" charset="0"/>
-            </a:endParaRPr>
-          </a:p>
-        </p:txBody>
-      </p:sp>
+              <a:rPr lang="en-US" sz="2800" dirty="0" err="1">
+                <a:latin typeface="Courier"/>
+                <a:cs typeface="Courier"/>
+              </a:rPr>
+              <a:t>samtools</a:t>
+            </a:r>
+            <a:r>
+              <a:rPr lang="en-US" sz="2800" dirty="0">
+                <a:latin typeface="Courier"/>
+                <a:cs typeface="Courier"/>
+              </a:rPr>
+              <a:t> </a:t>
+            </a:r>
+            <a:r>
+              <a:rPr lang="en-US" sz="2800" dirty="0" err="1">
+                <a:latin typeface="Courier"/>
+                <a:cs typeface="Courier"/>
+              </a:rPr>
+              <a:t>faidx</a:t>
+            </a:r>
+            <a:r>
+              <a:rPr lang="en-US" sz="2800" dirty="0">
+                <a:latin typeface="Courier"/>
+                <a:cs typeface="Courier"/>
+              </a:rPr>
+              <a:t> Ecoli_k12_MG1655.fasta</a:t>
+            </a:r>
+          </a:p>
+        </p:txBody>
+      </p:sp>
+      <p:sp>
+        <p:nvSpPr>
+          <p:cNvPr id="4" name="TextBox 3"/>
+          <p:cNvSpPr txBox="1"/>
+          <p:nvPr/>
+        </p:nvSpPr>
+        <p:spPr>
+          <a:xfrm>
+            <a:off x="518542" y="1217363"/>
+            <a:ext cx="4742504" cy="523220"/>
+          </a:xfrm>
+          <a:prstGeom prst="rect">
+            <a:avLst/>
+          </a:prstGeom>
+          <a:noFill/>
+        </p:spPr>
+        <p:txBody>
+          <a:bodyPr wrap="none" rtlCol="0">
+            <a:spAutoFit/>
+          </a:bodyPr>
+          <a:lstStyle/>
+          <a:p>
+            <a:r>
+              <a:rPr lang="en-US" sz="2800" dirty="0">
+                <a:solidFill>
+                  <a:srgbClr val="FF0000"/>
+                </a:solidFill>
+              </a:rPr>
+              <a:t>In the directory of "references"</a:t>
+            </a:r>
+          </a:p>
+        </p:txBody>
+      </p:sp>
+      <p:sp>
+        <p:nvSpPr>
+          <p:cNvPr id="5" name="TextBox 4"/>
+          <p:cNvSpPr txBox="1"/>
+          <p:nvPr/>
+        </p:nvSpPr>
+        <p:spPr>
+          <a:xfrm>
+            <a:off x="586178" y="5933723"/>
+            <a:ext cx="2704311" cy="523220"/>
+          </a:xfrm>
+          <a:prstGeom prst="rect">
+            <a:avLst/>
+          </a:prstGeom>
+          <a:noFill/>
+        </p:spPr>
+        <p:txBody>
+          <a:bodyPr wrap="none" rtlCol="0">
+            <a:spAutoFit/>
+          </a:bodyPr>
+          <a:lstStyle/>
+          <a:p>
+            <a:r>
+              <a:rPr lang="en-US" sz="2800" dirty="0">
+                <a:solidFill>
+                  <a:srgbClr val="FF0000"/>
+                </a:solidFill>
+              </a:rPr>
+              <a:t>Check the output</a:t>
+            </a:r>
+          </a:p>
+        </p:txBody>
+      </p:sp>
+      <mc:AlternateContent xmlns:mc="http://schemas.openxmlformats.org/markup-compatibility/2006">
+        <mc:Choice xmlns:p14="http://schemas.microsoft.com/office/powerpoint/2010/main" Requires="p14">
+          <p:contentPart p14:bwMode="auto" r:id="rId2">
+            <p14:nvContentPartPr>
+              <p14:cNvPr id="6" name="Ink 5">
+                <a:extLst>
+                  <a:ext uri="{FF2B5EF4-FFF2-40B4-BE49-F238E27FC236}">
+                    <a16:creationId xmlns:a16="http://schemas.microsoft.com/office/drawing/2014/main" id="{1C642DA8-664D-8E40-AC40-19D6B6640BB3}"/>
+                  </a:ext>
+                </a:extLst>
+              </p14:cNvPr>
+              <p14:cNvContentPartPr/>
+              <p14:nvPr/>
+            </p14:nvContentPartPr>
+            <p14:xfrm>
+              <a:off x="421560" y="1789560"/>
+              <a:ext cx="7583760" cy="5037120"/>
+            </p14:xfrm>
+          </p:contentPart>
+        </mc:Choice>
+        <mc:Fallback>
+          <p:pic>
+            <p:nvPicPr>
+              <p:cNvPr id="6" name="Ink 5">
+                <a:extLst>
+                  <a:ext uri="{FF2B5EF4-FFF2-40B4-BE49-F238E27FC236}">
+                    <a16:creationId xmlns:a16="http://schemas.microsoft.com/office/drawing/2014/main" id="{1C642DA8-664D-8E40-AC40-19D6B6640BB3}"/>
+                  </a:ext>
+                </a:extLst>
+              </p:cNvPr>
+              <p:cNvPicPr/>
+              <p:nvPr/>
+            </p:nvPicPr>
+            <p:blipFill>
+              <a:blip r:embed="rId3"/>
+              <a:stretch>
+                <a:fillRect/>
+              </a:stretch>
+            </p:blipFill>
+            <p:spPr>
+              <a:xfrm>
+                <a:off x="412200" y="1780200"/>
+                <a:ext cx="7602480" cy="5055840"/>
+              </a:xfrm>
+              <a:prstGeom prst="rect">
+                <a:avLst/>
+              </a:prstGeom>
+            </p:spPr>
+          </p:pic>
+        </mc:Fallback>
+      </mc:AlternateContent>
     </p:spTree>
     <p:extLst>
       <p:ext uri="{BB962C8B-B14F-4D97-AF65-F5344CB8AC3E}">
-        <p14:creationId xmlns:p14="http://schemas.microsoft.com/office/powerpoint/2010/main" val="1278055106"/>
+        <p14:creationId xmlns:p14="http://schemas.microsoft.com/office/powerpoint/2010/main" val="1274300925"/>
       </p:ext>
     </p:extLst>
   </p:cSld>
@@ -7871,12 +8198,8 @@
           <a:lstStyle/>
           <a:p>
             <a:r>
-              <a:rPr lang="en-US" sz="3200" dirty="0" err="1"/>
-              <a:t>HaplotypeCaller</a:t>
-            </a:r>
-            <a:r>
-              <a:rPr lang="en-US" sz="3200" dirty="0"/>
-              <a:t> of GATK4</a:t>
+              <a:rPr lang="en-US" sz="3600" dirty="0"/>
+              <a:t>GATK</a:t>
             </a:r>
           </a:p>
         </p:txBody>
@@ -7893,13 +8216,13 @@
         </p:nvSpPr>
         <p:spPr>
           <a:xfrm>
-            <a:off x="573813" y="1204379"/>
-            <a:ext cx="8426495" cy="5209484"/>
+            <a:off x="457200" y="1853189"/>
+            <a:ext cx="8229600" cy="3189074"/>
           </a:xfrm>
         </p:spPr>
         <p:txBody>
           <a:bodyPr>
-            <a:noAutofit/>
+            <a:normAutofit/>
           </a:bodyPr>
           <a:lstStyle/>
           <a:p>
@@ -7907,165 +8230,108 @@
               <a:buNone/>
             </a:pPr>
             <a:r>
-              <a:rPr lang="en-US" dirty="0"/>
-              <a:t>USAGE: </a:t>
-            </a:r>
-            <a:r>
-              <a:rPr lang="en-US" dirty="0" err="1"/>
-              <a:t>HaplotypeCaller</a:t>
-            </a:r>
-            <a:r>
-              <a:rPr lang="en-US" dirty="0"/>
-              <a:t> [arguments]</a:t>
-            </a:r>
-          </a:p>
-          <a:p>
-            <a:pPr marL="0" indent="0">
-              <a:buNone/>
-            </a:pPr>
-            <a:r>
-              <a:rPr lang="en-US" dirty="0"/>
-              <a:t>Call </a:t>
-            </a:r>
-            <a:r>
-              <a:rPr lang="en-US" dirty="0" err="1"/>
-              <a:t>germline</a:t>
-            </a:r>
-            <a:r>
-              <a:rPr lang="en-US" dirty="0"/>
-              <a:t> SNPs and </a:t>
-            </a:r>
-            <a:r>
-              <a:rPr lang="en-US" dirty="0" err="1"/>
-              <a:t>indels</a:t>
-            </a:r>
-            <a:r>
-              <a:rPr lang="en-US" dirty="0"/>
-              <a:t> via local re-assembly of haplotypes</a:t>
-            </a:r>
-          </a:p>
-          <a:p>
-            <a:pPr marL="0" indent="0">
-              <a:buNone/>
-            </a:pPr>
-            <a:r>
-              <a:rPr lang="de-DE" dirty="0"/>
-              <a:t>Version:4.1.0.0</a:t>
-            </a:r>
-          </a:p>
-          <a:p>
-            <a:pPr marL="0" indent="0">
-              <a:buNone/>
-            </a:pPr>
-            <a:endParaRPr lang="de-DE" dirty="0"/>
-          </a:p>
-          <a:p>
-            <a:pPr marL="0" indent="0">
-              <a:buNone/>
-            </a:pPr>
-            <a:r>
-              <a:rPr lang="de-DE" dirty="0" err="1"/>
-              <a:t>Required</a:t>
-            </a:r>
-            <a:r>
-              <a:rPr lang="de-DE" dirty="0"/>
-              <a:t> Arguments:</a:t>
-            </a:r>
-          </a:p>
-          <a:p>
-            <a:pPr marL="0" indent="0">
-              <a:buNone/>
-            </a:pPr>
-            <a:r>
-              <a:rPr lang="de-DE" dirty="0"/>
-              <a:t>-</a:t>
-            </a:r>
-            <a:r>
-              <a:rPr lang="de-DE" dirty="0" err="1"/>
-              <a:t>I:String</a:t>
-            </a:r>
-            <a:r>
-              <a:rPr lang="de-DE" dirty="0"/>
-              <a:t>	  BAM/SAM/CRAM </a:t>
-            </a:r>
-            <a:r>
-              <a:rPr lang="de-DE" dirty="0" err="1"/>
-              <a:t>file</a:t>
-            </a:r>
-            <a:r>
-              <a:rPr lang="de-DE" dirty="0"/>
-              <a:t> </a:t>
-            </a:r>
-            <a:r>
-              <a:rPr lang="de-DE" dirty="0" err="1"/>
-              <a:t>containing</a:t>
-            </a:r>
-            <a:r>
-              <a:rPr lang="de-DE" dirty="0"/>
-              <a:t> </a:t>
-            </a:r>
-            <a:r>
-              <a:rPr lang="de-DE" dirty="0" err="1"/>
-              <a:t>reads</a:t>
-            </a:r>
-            <a:r>
-              <a:rPr lang="de-DE" dirty="0"/>
-              <a:t>.</a:t>
-            </a:r>
-            <a:endParaRPr lang="en-US" dirty="0"/>
-          </a:p>
-          <a:p>
-            <a:pPr marL="0" indent="0">
-              <a:buNone/>
-            </a:pPr>
-            <a:endParaRPr lang="en-US" dirty="0"/>
-          </a:p>
-          <a:p>
-            <a:pPr marL="0" indent="0">
-              <a:buNone/>
-            </a:pPr>
-            <a:r>
-              <a:rPr lang="en-US" dirty="0"/>
-              <a:t>-</a:t>
-            </a:r>
-            <a:r>
-              <a:rPr lang="en-US" dirty="0" err="1"/>
-              <a:t>O:String</a:t>
-            </a:r>
-            <a:r>
-              <a:rPr lang="en-US" dirty="0"/>
-              <a:t>  File to which variants should be written. </a:t>
-            </a:r>
-          </a:p>
-          <a:p>
-            <a:pPr marL="0" indent="0">
-              <a:buNone/>
-            </a:pPr>
-            <a:endParaRPr lang="en-US" dirty="0"/>
-          </a:p>
-          <a:p>
-            <a:pPr marL="0" indent="0">
-              <a:buNone/>
-            </a:pPr>
-            <a:r>
-              <a:rPr lang="en-US" dirty="0"/>
-              <a:t>-</a:t>
-            </a:r>
-            <a:r>
-              <a:rPr lang="en-US" dirty="0" err="1"/>
-              <a:t>R:String</a:t>
-            </a:r>
-            <a:r>
-              <a:rPr lang="en-US" dirty="0"/>
-              <a:t>	  Reference sequence file. </a:t>
-            </a:r>
+              <a:rPr lang="en-US" sz="1800" dirty="0" err="1">
+                <a:latin typeface="Courier" pitchFamily="2" charset="0"/>
+                <a:cs typeface="Courier"/>
+              </a:rPr>
+              <a:t>gatk</a:t>
+            </a:r>
+            <a:r>
+              <a:rPr lang="en-US" sz="1800" dirty="0">
+                <a:latin typeface="Courier" pitchFamily="2" charset="0"/>
+                <a:cs typeface="Courier"/>
+              </a:rPr>
+              <a:t>=</a:t>
+            </a:r>
+            <a:r>
+              <a:rPr lang="en-US" sz="1800" dirty="0">
+                <a:latin typeface="Courier" pitchFamily="2" charset="0"/>
+              </a:rPr>
+              <a:t>/homes/liu3zhen/software/GATK/gatk4/gatk-4.1.9.0/</a:t>
+            </a:r>
+            <a:r>
+              <a:rPr lang="en-US" sz="1800" dirty="0" err="1">
+                <a:latin typeface="Courier" pitchFamily="2" charset="0"/>
+              </a:rPr>
+              <a:t>gatk</a:t>
+            </a:r>
+            <a:endParaRPr lang="en-US" sz="1800" dirty="0">
+              <a:latin typeface="Courier" pitchFamily="2" charset="0"/>
+              <a:cs typeface="Courier"/>
+            </a:endParaRPr>
+          </a:p>
+          <a:p>
+            <a:pPr marL="0" indent="0">
+              <a:buNone/>
+            </a:pPr>
+            <a:endParaRPr lang="en-US" dirty="0">
+              <a:latin typeface="Courier" pitchFamily="2" charset="0"/>
+              <a:cs typeface="Courier"/>
+            </a:endParaRPr>
+          </a:p>
+          <a:p>
+            <a:pPr marL="0" indent="0">
+              <a:buNone/>
+            </a:pPr>
+            <a:r>
+              <a:rPr lang="ro-RO" sz="3600" dirty="0">
+                <a:latin typeface="Courier"/>
+                <a:cs typeface="Courier"/>
+              </a:rPr>
+              <a:t>module </a:t>
+            </a:r>
+            <a:r>
+              <a:rPr lang="ro-RO" sz="3600" dirty="0" err="1">
+                <a:latin typeface="Courier"/>
+                <a:cs typeface="Courier"/>
+              </a:rPr>
+              <a:t>load</a:t>
+            </a:r>
+            <a:r>
+              <a:rPr lang="ro-RO" sz="3600" dirty="0">
+                <a:latin typeface="Courier"/>
+                <a:cs typeface="Courier"/>
+              </a:rPr>
+              <a:t> Java/1.8.0_192 </a:t>
+            </a:r>
+          </a:p>
+          <a:p>
+            <a:pPr marL="0" indent="0">
+              <a:buNone/>
+            </a:pPr>
+            <a:endParaRPr lang="en-US" sz="3600" dirty="0">
+              <a:latin typeface="Courier" pitchFamily="2" charset="0"/>
+              <a:cs typeface="Courier"/>
+            </a:endParaRPr>
+          </a:p>
+          <a:p>
+            <a:pPr marL="0" indent="0">
+              <a:buNone/>
+            </a:pPr>
+            <a:r>
+              <a:rPr lang="en-US" sz="3600" dirty="0">
+                <a:latin typeface="Courier" pitchFamily="2" charset="0"/>
+                <a:cs typeface="Courier"/>
+              </a:rPr>
+              <a:t>$</a:t>
+            </a:r>
+            <a:r>
+              <a:rPr lang="en-US" sz="3600" dirty="0" err="1">
+                <a:latin typeface="Courier" pitchFamily="2" charset="0"/>
+                <a:cs typeface="Courier"/>
+              </a:rPr>
+              <a:t>gatk</a:t>
+            </a:r>
+            <a:endParaRPr lang="en-US" sz="3600" dirty="0">
+              <a:latin typeface="Courier" pitchFamily="2" charset="0"/>
+            </a:endParaRPr>
           </a:p>
         </p:txBody>
       </p:sp>
     </p:spTree>
     <p:extLst>
       <p:ext uri="{BB962C8B-B14F-4D97-AF65-F5344CB8AC3E}">
-        <p14:creationId xmlns:p14="http://schemas.microsoft.com/office/powerpoint/2010/main" val="666912136"/>
+        <p14:creationId xmlns:p14="http://schemas.microsoft.com/office/powerpoint/2010/main" val="1278055106"/>
       </p:ext>
     </p:extLst>
   </p:cSld>
